--- a/NanoServiceAPI Demo.pptx
+++ b/NanoServiceAPI Demo.pptx
@@ -14,13 +14,12 @@
     <p:sldId id="261" r:id="rId8"/>
     <p:sldId id="262" r:id="rId9"/>
     <p:sldId id="272" r:id="rId10"/>
-    <p:sldId id="263" r:id="rId11"/>
-    <p:sldId id="264" r:id="rId12"/>
-    <p:sldId id="265" r:id="rId13"/>
-    <p:sldId id="266" r:id="rId14"/>
-    <p:sldId id="267" r:id="rId15"/>
-    <p:sldId id="268" r:id="rId16"/>
-    <p:sldId id="269" r:id="rId17"/>
+    <p:sldId id="264" r:id="rId11"/>
+    <p:sldId id="265" r:id="rId12"/>
+    <p:sldId id="266" r:id="rId13"/>
+    <p:sldId id="267" r:id="rId14"/>
+    <p:sldId id="268" r:id="rId15"/>
+    <p:sldId id="269" r:id="rId16"/>
   </p:sldIdLst>
   <p:sldSz cx="12192000" cy="6858000"/>
   <p:notesSz cx="6858000" cy="9144000"/>
@@ -130,9 +129,218 @@
 <file path=ppt/revisionInfo.xml><?xml version="1.0" encoding="utf-8"?>
 <p1510:revInfo xmlns:a="http://schemas.openxmlformats.org/drawingml/2006/main" xmlns:r="http://schemas.openxmlformats.org/officeDocument/2006/relationships" xmlns:p1510="http://schemas.microsoft.com/office/powerpoint/2015/10/main">
   <p1510:revLst>
-    <p1510:client id="{703A9801-D1D9-4355-B812-9FDE3C9D8029}" v="2323" dt="2018-07-03T20:56:33.431"/>
+    <p1510:client id="{3C90B4ED-8ADD-4036-9A51-D12B577661C4}" v="109" dt="2018-07-12T21:30:58.586"/>
   </p1510:revLst>
 </p1510:revInfo>
+</file>
+
+<file path=ppt/changesInfos/changesInfo1.xml><?xml version="1.0" encoding="utf-8"?>
+<pc:chgInfo xmlns:a="http://schemas.openxmlformats.org/drawingml/2006/main" xmlns:r="http://schemas.openxmlformats.org/officeDocument/2006/relationships" xmlns:ac="http://schemas.microsoft.com/office/drawing/2013/main/command" xmlns:pc="http://schemas.microsoft.com/office/powerpoint/2013/main/command">
+  <pc:docChgLst>
+    <pc:chgData name="Shin, Yong-Jun" userId="31b9ce4c-1193-47b5-8c9a-a873388960a0" providerId="ADAL" clId="{3C90B4ED-8ADD-4036-9A51-D12B577661C4}"/>
+    <pc:docChg chg="custSel delSld modSld">
+      <pc:chgData name="Shin, Yong-Jun" userId="31b9ce4c-1193-47b5-8c9a-a873388960a0" providerId="ADAL" clId="{3C90B4ED-8ADD-4036-9A51-D12B577661C4}" dt="2018-07-12T21:30:58.586" v="108" actId="20577"/>
+      <pc:docMkLst>
+        <pc:docMk/>
+      </pc:docMkLst>
+      <pc:sldChg chg="del">
+        <pc:chgData name="Shin, Yong-Jun" userId="31b9ce4c-1193-47b5-8c9a-a873388960a0" providerId="ADAL" clId="{3C90B4ED-8ADD-4036-9A51-D12B577661C4}" dt="2018-07-12T21:19:18.004" v="2" actId="2696"/>
+        <pc:sldMkLst>
+          <pc:docMk/>
+          <pc:sldMk cId="3147375324" sldId="263"/>
+        </pc:sldMkLst>
+      </pc:sldChg>
+      <pc:sldChg chg="modSp">
+        <pc:chgData name="Shin, Yong-Jun" userId="31b9ce4c-1193-47b5-8c9a-a873388960a0" providerId="ADAL" clId="{3C90B4ED-8ADD-4036-9A51-D12B577661C4}" dt="2018-07-12T21:24:36.789" v="56" actId="255"/>
+        <pc:sldMkLst>
+          <pc:docMk/>
+          <pc:sldMk cId="395927279" sldId="264"/>
+        </pc:sldMkLst>
+        <pc:spChg chg="mod">
+          <ac:chgData name="Shin, Yong-Jun" userId="31b9ce4c-1193-47b5-8c9a-a873388960a0" providerId="ADAL" clId="{3C90B4ED-8ADD-4036-9A51-D12B577661C4}" dt="2018-07-12T21:24:36.789" v="56" actId="255"/>
+          <ac:spMkLst>
+            <pc:docMk/>
+            <pc:sldMk cId="395927279" sldId="264"/>
+            <ac:spMk id="5" creationId="{B40F14C8-C1AE-4DC4-B5EA-C9A9D102805A}"/>
+          </ac:spMkLst>
+        </pc:spChg>
+      </pc:sldChg>
+      <pc:sldChg chg="addSp delSp modSp">
+        <pc:chgData name="Shin, Yong-Jun" userId="31b9ce4c-1193-47b5-8c9a-a873388960a0" providerId="ADAL" clId="{3C90B4ED-8ADD-4036-9A51-D12B577661C4}" dt="2018-07-12T21:24:13.661" v="55" actId="1076"/>
+        <pc:sldMkLst>
+          <pc:docMk/>
+          <pc:sldMk cId="2154374261" sldId="265"/>
+        </pc:sldMkLst>
+        <pc:spChg chg="del mod">
+          <ac:chgData name="Shin, Yong-Jun" userId="31b9ce4c-1193-47b5-8c9a-a873388960a0" providerId="ADAL" clId="{3C90B4ED-8ADD-4036-9A51-D12B577661C4}" dt="2018-07-12T21:22:04.917" v="21"/>
+          <ac:spMkLst>
+            <pc:docMk/>
+            <pc:sldMk cId="2154374261" sldId="265"/>
+            <ac:spMk id="6" creationId="{A24B54C8-0C31-484A-8F4E-04E3154A44E0}"/>
+          </ac:spMkLst>
+        </pc:spChg>
+        <pc:spChg chg="add del mod">
+          <ac:chgData name="Shin, Yong-Jun" userId="31b9ce4c-1193-47b5-8c9a-a873388960a0" providerId="ADAL" clId="{3C90B4ED-8ADD-4036-9A51-D12B577661C4}" dt="2018-07-12T21:23:50.454" v="44" actId="478"/>
+          <ac:spMkLst>
+            <pc:docMk/>
+            <pc:sldMk cId="2154374261" sldId="265"/>
+            <ac:spMk id="7" creationId="{E75495A8-CE78-4316-AE21-7CBB9E8B83C6}"/>
+          </ac:spMkLst>
+        </pc:spChg>
+        <pc:spChg chg="add mod">
+          <ac:chgData name="Shin, Yong-Jun" userId="31b9ce4c-1193-47b5-8c9a-a873388960a0" providerId="ADAL" clId="{3C90B4ED-8ADD-4036-9A51-D12B577661C4}" dt="2018-07-12T21:24:09.565" v="52" actId="1076"/>
+          <ac:spMkLst>
+            <pc:docMk/>
+            <pc:sldMk cId="2154374261" sldId="265"/>
+            <ac:spMk id="8" creationId="{A7F1A492-BE35-44F1-9277-6D6710C9D5B5}"/>
+          </ac:spMkLst>
+        </pc:spChg>
+        <pc:picChg chg="add mod">
+          <ac:chgData name="Shin, Yong-Jun" userId="31b9ce4c-1193-47b5-8c9a-a873388960a0" providerId="ADAL" clId="{3C90B4ED-8ADD-4036-9A51-D12B577661C4}" dt="2018-07-12T21:24:13.661" v="55" actId="1076"/>
+          <ac:picMkLst>
+            <pc:docMk/>
+            <pc:sldMk cId="2154374261" sldId="265"/>
+            <ac:picMk id="2" creationId="{5B6B5619-803E-402C-A70A-8F5E680B1E24}"/>
+          </ac:picMkLst>
+        </pc:picChg>
+        <pc:picChg chg="add del">
+          <ac:chgData name="Shin, Yong-Jun" userId="31b9ce4c-1193-47b5-8c9a-a873388960a0" providerId="ADAL" clId="{3C90B4ED-8ADD-4036-9A51-D12B577661C4}" dt="2018-07-12T21:22:03.152" v="20" actId="478"/>
+          <ac:picMkLst>
+            <pc:docMk/>
+            <pc:sldMk cId="2154374261" sldId="265"/>
+            <ac:picMk id="3" creationId="{C63B5DDE-08B6-4ACE-984E-13DFAE36BF87}"/>
+          </ac:picMkLst>
+        </pc:picChg>
+        <pc:picChg chg="del">
+          <ac:chgData name="Shin, Yong-Jun" userId="31b9ce4c-1193-47b5-8c9a-a873388960a0" providerId="ADAL" clId="{3C90B4ED-8ADD-4036-9A51-D12B577661C4}" dt="2018-07-12T21:21:57.926" v="16" actId="478"/>
+          <ac:picMkLst>
+            <pc:docMk/>
+            <pc:sldMk cId="2154374261" sldId="265"/>
+            <ac:picMk id="4" creationId="{1B699B9C-EE03-44A4-8A6E-2F488F305A69}"/>
+          </ac:picMkLst>
+        </pc:picChg>
+      </pc:sldChg>
+      <pc:sldChg chg="modSp">
+        <pc:chgData name="Shin, Yong-Jun" userId="31b9ce4c-1193-47b5-8c9a-a873388960a0" providerId="ADAL" clId="{3C90B4ED-8ADD-4036-9A51-D12B577661C4}" dt="2018-07-12T21:30:58.586" v="108" actId="20577"/>
+        <pc:sldMkLst>
+          <pc:docMk/>
+          <pc:sldMk cId="1977848800" sldId="271"/>
+        </pc:sldMkLst>
+        <pc:spChg chg="mod">
+          <ac:chgData name="Shin, Yong-Jun" userId="31b9ce4c-1193-47b5-8c9a-a873388960a0" providerId="ADAL" clId="{3C90B4ED-8ADD-4036-9A51-D12B577661C4}" dt="2018-07-12T21:30:58.586" v="108" actId="20577"/>
+          <ac:spMkLst>
+            <pc:docMk/>
+            <pc:sldMk cId="1977848800" sldId="271"/>
+            <ac:spMk id="2" creationId="{26B2839F-EB4A-47EF-885A-5F4D952C6343}"/>
+          </ac:spMkLst>
+        </pc:spChg>
+      </pc:sldChg>
+      <pc:sldChg chg="addSp delSp">
+        <pc:chgData name="Shin, Yong-Jun" userId="31b9ce4c-1193-47b5-8c9a-a873388960a0" providerId="ADAL" clId="{3C90B4ED-8ADD-4036-9A51-D12B577661C4}" dt="2018-07-12T21:29:20.969" v="60"/>
+        <pc:sldMkLst>
+          <pc:docMk/>
+          <pc:sldMk cId="2647157732" sldId="272"/>
+        </pc:sldMkLst>
+        <pc:spChg chg="del">
+          <ac:chgData name="Shin, Yong-Jun" userId="31b9ce4c-1193-47b5-8c9a-a873388960a0" providerId="ADAL" clId="{3C90B4ED-8ADD-4036-9A51-D12B577661C4}" dt="2018-07-12T21:19:07.060" v="0" actId="478"/>
+          <ac:spMkLst>
+            <pc:docMk/>
+            <pc:sldMk cId="2647157732" sldId="272"/>
+            <ac:spMk id="3" creationId="{546CF341-BC89-475D-AD7C-5288F3E4C3EC}"/>
+          </ac:spMkLst>
+        </pc:spChg>
+        <pc:spChg chg="del">
+          <ac:chgData name="Shin, Yong-Jun" userId="31b9ce4c-1193-47b5-8c9a-a873388960a0" providerId="ADAL" clId="{3C90B4ED-8ADD-4036-9A51-D12B577661C4}" dt="2018-07-12T21:19:07.060" v="0" actId="478"/>
+          <ac:spMkLst>
+            <pc:docMk/>
+            <pc:sldMk cId="2647157732" sldId="272"/>
+            <ac:spMk id="4" creationId="{EB1268E2-C91B-48A9-BFD8-C3C8E47719FB}"/>
+          </ac:spMkLst>
+        </pc:spChg>
+        <pc:spChg chg="del">
+          <ac:chgData name="Shin, Yong-Jun" userId="31b9ce4c-1193-47b5-8c9a-a873388960a0" providerId="ADAL" clId="{3C90B4ED-8ADD-4036-9A51-D12B577661C4}" dt="2018-07-12T21:19:07.060" v="0" actId="478"/>
+          <ac:spMkLst>
+            <pc:docMk/>
+            <pc:sldMk cId="2647157732" sldId="272"/>
+            <ac:spMk id="7" creationId="{270BC4F3-A7CD-4337-AE39-F1F74D79381B}"/>
+          </ac:spMkLst>
+        </pc:spChg>
+        <pc:spChg chg="del">
+          <ac:chgData name="Shin, Yong-Jun" userId="31b9ce4c-1193-47b5-8c9a-a873388960a0" providerId="ADAL" clId="{3C90B4ED-8ADD-4036-9A51-D12B577661C4}" dt="2018-07-12T21:19:07.060" v="0" actId="478"/>
+          <ac:spMkLst>
+            <pc:docMk/>
+            <pc:sldMk cId="2647157732" sldId="272"/>
+            <ac:spMk id="12" creationId="{50A5992B-E6D4-4896-BFF6-F41569714857}"/>
+          </ac:spMkLst>
+        </pc:spChg>
+        <pc:spChg chg="del">
+          <ac:chgData name="Shin, Yong-Jun" userId="31b9ce4c-1193-47b5-8c9a-a873388960a0" providerId="ADAL" clId="{3C90B4ED-8ADD-4036-9A51-D12B577661C4}" dt="2018-07-12T21:19:07.060" v="0" actId="478"/>
+          <ac:spMkLst>
+            <pc:docMk/>
+            <pc:sldMk cId="2647157732" sldId="272"/>
+            <ac:spMk id="13" creationId="{3F30CD15-6C65-47AC-8E4E-54DE980E0F95}"/>
+          </ac:spMkLst>
+        </pc:spChg>
+        <pc:spChg chg="del">
+          <ac:chgData name="Shin, Yong-Jun" userId="31b9ce4c-1193-47b5-8c9a-a873388960a0" providerId="ADAL" clId="{3C90B4ED-8ADD-4036-9A51-D12B577661C4}" dt="2018-07-12T21:19:07.060" v="0" actId="478"/>
+          <ac:spMkLst>
+            <pc:docMk/>
+            <pc:sldMk cId="2647157732" sldId="272"/>
+            <ac:spMk id="15" creationId="{C245933A-4C5A-40D3-BF81-1512E79993C6}"/>
+          </ac:spMkLst>
+        </pc:spChg>
+        <pc:spChg chg="del">
+          <ac:chgData name="Shin, Yong-Jun" userId="31b9ce4c-1193-47b5-8c9a-a873388960a0" providerId="ADAL" clId="{3C90B4ED-8ADD-4036-9A51-D12B577661C4}" dt="2018-07-12T21:19:07.060" v="0" actId="478"/>
+          <ac:spMkLst>
+            <pc:docMk/>
+            <pc:sldMk cId="2647157732" sldId="272"/>
+            <ac:spMk id="16" creationId="{3977E3B7-0492-4D2B-B59E-5599B5FD9E7B}"/>
+          </ac:spMkLst>
+        </pc:spChg>
+        <pc:spChg chg="del">
+          <ac:chgData name="Shin, Yong-Jun" userId="31b9ce4c-1193-47b5-8c9a-a873388960a0" providerId="ADAL" clId="{3C90B4ED-8ADD-4036-9A51-D12B577661C4}" dt="2018-07-12T21:19:07.060" v="0" actId="478"/>
+          <ac:spMkLst>
+            <pc:docMk/>
+            <pc:sldMk cId="2647157732" sldId="272"/>
+            <ac:spMk id="17" creationId="{C0D261A8-A6A5-403E-84F5-D8A694EB514D}"/>
+          </ac:spMkLst>
+        </pc:spChg>
+        <pc:picChg chg="add del">
+          <ac:chgData name="Shin, Yong-Jun" userId="31b9ce4c-1193-47b5-8c9a-a873388960a0" providerId="ADAL" clId="{3C90B4ED-8ADD-4036-9A51-D12B577661C4}" dt="2018-07-12T21:26:30.918" v="57" actId="478"/>
+          <ac:picMkLst>
+            <pc:docMk/>
+            <pc:sldMk cId="2647157732" sldId="272"/>
+            <ac:picMk id="2" creationId="{4C6AA33F-2D76-4247-B53C-5164BCA37373}"/>
+          </ac:picMkLst>
+        </pc:picChg>
+        <pc:picChg chg="add del">
+          <ac:chgData name="Shin, Yong-Jun" userId="31b9ce4c-1193-47b5-8c9a-a873388960a0" providerId="ADAL" clId="{3C90B4ED-8ADD-4036-9A51-D12B577661C4}" dt="2018-07-12T21:29:20.622" v="59" actId="478"/>
+          <ac:picMkLst>
+            <pc:docMk/>
+            <pc:sldMk cId="2647157732" sldId="272"/>
+            <ac:picMk id="5" creationId="{46FE6BE7-07DF-461C-84A8-71A6BF533F07}"/>
+          </ac:picMkLst>
+        </pc:picChg>
+        <pc:picChg chg="add">
+          <ac:chgData name="Shin, Yong-Jun" userId="31b9ce4c-1193-47b5-8c9a-a873388960a0" providerId="ADAL" clId="{3C90B4ED-8ADD-4036-9A51-D12B577661C4}" dt="2018-07-12T21:29:20.969" v="60"/>
+          <ac:picMkLst>
+            <pc:docMk/>
+            <pc:sldMk cId="2647157732" sldId="272"/>
+            <ac:picMk id="6" creationId="{66151819-396B-4C51-8D9E-C6C0DAE68297}"/>
+          </ac:picMkLst>
+        </pc:picChg>
+        <pc:picChg chg="del">
+          <ac:chgData name="Shin, Yong-Jun" userId="31b9ce4c-1193-47b5-8c9a-a873388960a0" providerId="ADAL" clId="{3C90B4ED-8ADD-4036-9A51-D12B577661C4}" dt="2018-07-12T21:19:07.060" v="0" actId="478"/>
+          <ac:picMkLst>
+            <pc:docMk/>
+            <pc:sldMk cId="2647157732" sldId="272"/>
+            <ac:picMk id="1026" creationId="{4CDF9832-C5A4-4788-AF6F-5385317C007F}"/>
+          </ac:picMkLst>
+        </pc:picChg>
+      </pc:sldChg>
+    </pc:docChg>
+  </pc:docChgLst>
+</pc:chgInfo>
 </file>
 
 <file path=ppt/slideLayouts/slideLayout1.xml><?xml version="1.0" encoding="utf-8"?>
@@ -282,7 +490,7 @@
           <a:p>
             <a:fld id="{6727BE44-C413-43E3-A1C8-A2F186C9952F}" type="datetimeFigureOut">
               <a:rPr lang="en-US" smtClean="0"/>
-              <a:t>7/3/2018</a:t>
+              <a:t>7/12/2018</a:t>
             </a:fld>
             <a:endParaRPr lang="en-US"/>
           </a:p>
@@ -480,7 +688,7 @@
           <a:p>
             <a:fld id="{6727BE44-C413-43E3-A1C8-A2F186C9952F}" type="datetimeFigureOut">
               <a:rPr lang="en-US" smtClean="0"/>
-              <a:t>7/3/2018</a:t>
+              <a:t>7/12/2018</a:t>
             </a:fld>
             <a:endParaRPr lang="en-US"/>
           </a:p>
@@ -688,7 +896,7 @@
           <a:p>
             <a:fld id="{6727BE44-C413-43E3-A1C8-A2F186C9952F}" type="datetimeFigureOut">
               <a:rPr lang="en-US" smtClean="0"/>
-              <a:t>7/3/2018</a:t>
+              <a:t>7/12/2018</a:t>
             </a:fld>
             <a:endParaRPr lang="en-US"/>
           </a:p>
@@ -886,7 +1094,7 @@
           <a:p>
             <a:fld id="{6727BE44-C413-43E3-A1C8-A2F186C9952F}" type="datetimeFigureOut">
               <a:rPr lang="en-US" smtClean="0"/>
-              <a:t>7/3/2018</a:t>
+              <a:t>7/12/2018</a:t>
             </a:fld>
             <a:endParaRPr lang="en-US"/>
           </a:p>
@@ -1161,7 +1369,7 @@
           <a:p>
             <a:fld id="{6727BE44-C413-43E3-A1C8-A2F186C9952F}" type="datetimeFigureOut">
               <a:rPr lang="en-US" smtClean="0"/>
-              <a:t>7/3/2018</a:t>
+              <a:t>7/12/2018</a:t>
             </a:fld>
             <a:endParaRPr lang="en-US"/>
           </a:p>
@@ -1426,7 +1634,7 @@
           <a:p>
             <a:fld id="{6727BE44-C413-43E3-A1C8-A2F186C9952F}" type="datetimeFigureOut">
               <a:rPr lang="en-US" smtClean="0"/>
-              <a:t>7/3/2018</a:t>
+              <a:t>7/12/2018</a:t>
             </a:fld>
             <a:endParaRPr lang="en-US"/>
           </a:p>
@@ -1838,7 +2046,7 @@
           <a:p>
             <a:fld id="{6727BE44-C413-43E3-A1C8-A2F186C9952F}" type="datetimeFigureOut">
               <a:rPr lang="en-US" smtClean="0"/>
-              <a:t>7/3/2018</a:t>
+              <a:t>7/12/2018</a:t>
             </a:fld>
             <a:endParaRPr lang="en-US"/>
           </a:p>
@@ -1979,7 +2187,7 @@
           <a:p>
             <a:fld id="{6727BE44-C413-43E3-A1C8-A2F186C9952F}" type="datetimeFigureOut">
               <a:rPr lang="en-US" smtClean="0"/>
-              <a:t>7/3/2018</a:t>
+              <a:t>7/12/2018</a:t>
             </a:fld>
             <a:endParaRPr lang="en-US"/>
           </a:p>
@@ -2092,7 +2300,7 @@
           <a:p>
             <a:fld id="{6727BE44-C413-43E3-A1C8-A2F186C9952F}" type="datetimeFigureOut">
               <a:rPr lang="en-US" smtClean="0"/>
-              <a:t>7/3/2018</a:t>
+              <a:t>7/12/2018</a:t>
             </a:fld>
             <a:endParaRPr lang="en-US"/>
           </a:p>
@@ -2403,7 +2611,7 @@
           <a:p>
             <a:fld id="{6727BE44-C413-43E3-A1C8-A2F186C9952F}" type="datetimeFigureOut">
               <a:rPr lang="en-US" smtClean="0"/>
-              <a:t>7/3/2018</a:t>
+              <a:t>7/12/2018</a:t>
             </a:fld>
             <a:endParaRPr lang="en-US"/>
           </a:p>
@@ -2691,7 +2899,7 @@
           <a:p>
             <a:fld id="{6727BE44-C413-43E3-A1C8-A2F186C9952F}" type="datetimeFigureOut">
               <a:rPr lang="en-US" smtClean="0"/>
-              <a:t>7/3/2018</a:t>
+              <a:t>7/12/2018</a:t>
             </a:fld>
             <a:endParaRPr lang="en-US"/>
           </a:p>
@@ -2932,7 +3140,7 @@
           <a:p>
             <a:fld id="{6727BE44-C413-43E3-A1C8-A2F186C9952F}" type="datetimeFigureOut">
               <a:rPr lang="en-US" smtClean="0"/>
-              <a:t>7/3/2018</a:t>
+              <a:t>7/12/2018</a:t>
             </a:fld>
             <a:endParaRPr lang="en-US"/>
           </a:p>
@@ -3363,8 +3571,8 @@
         </p:nvSpPr>
         <p:spPr>
           <a:xfrm>
-            <a:off x="328003" y="950686"/>
-            <a:ext cx="11186652" cy="3170099"/>
+            <a:off x="262688" y="885372"/>
+            <a:ext cx="11406220" cy="2554545"/>
           </a:xfrm>
           <a:prstGeom prst="rect">
             <a:avLst/>
@@ -3372,7 +3580,7 @@
           <a:noFill/>
         </p:spPr>
         <p:txBody>
-          <a:bodyPr wrap="none" rtlCol="0">
+          <a:bodyPr wrap="square" rtlCol="0">
             <a:spAutoFit/>
           </a:bodyPr>
           <a:lstStyle/>
@@ -3384,14 +3592,14 @@
             </a:r>
             <a:r>
               <a:rPr lang="en-US" sz="4000" b="1" dirty="0"/>
-              <a:t>-enabled event-driven decision support</a:t>
+              <a:t>-enabled event-driven </a:t>
             </a:r>
           </a:p>
           <a:p>
             <a:pPr algn="ctr"/>
             <a:r>
               <a:rPr lang="en-US" sz="4000" b="1" dirty="0"/>
-              <a:t>REST API </a:t>
+              <a:t>clinical decision support REST APIs </a:t>
             </a:r>
           </a:p>
           <a:p>
@@ -3402,14 +3610,7 @@
             <a:pPr algn="ctr"/>
             <a:r>
               <a:rPr lang="en-US" sz="4000" b="1" dirty="0"/>
-              <a:t>Demo </a:t>
-            </a:r>
-          </a:p>
-          <a:p>
-            <a:pPr algn="ctr"/>
-            <a:r>
-              <a:rPr lang="en-US" sz="4000" b="1" dirty="0"/>
-              <a:t>(Hyponatremia)</a:t>
+              <a:t>Hyponatremia Diagnosis Demo</a:t>
             </a:r>
           </a:p>
         </p:txBody>
@@ -3502,7 +3703,7 @@
           <p:cNvPr id="4" name="Picture 3">
             <a:extLst>
               <a:ext uri="{FF2B5EF4-FFF2-40B4-BE49-F238E27FC236}">
-                <a16:creationId xmlns:a16="http://schemas.microsoft.com/office/drawing/2014/main" id="{E981AECD-ACEE-4B99-B17A-C6DF8BA9C930}"/>
+                <a16:creationId xmlns:a16="http://schemas.microsoft.com/office/drawing/2014/main" id="{B727B121-5C7E-4ACD-A594-AF1C0C7665E9}"/>
               </a:ext>
             </a:extLst>
           </p:cNvPr>
@@ -3519,8 +3720,8 @@
         </p:blipFill>
         <p:spPr>
           <a:xfrm>
-            <a:off x="100369" y="1167611"/>
-            <a:ext cx="11991262" cy="4933385"/>
+            <a:off x="194871" y="546985"/>
+            <a:ext cx="9698636" cy="5764030"/>
           </a:xfrm>
           <a:prstGeom prst="rect">
             <a:avLst/>
@@ -3532,7 +3733,7 @@
           <p:cNvPr id="5" name="Rectangle 4">
             <a:extLst>
               <a:ext uri="{FF2B5EF4-FFF2-40B4-BE49-F238E27FC236}">
-                <a16:creationId xmlns:a16="http://schemas.microsoft.com/office/drawing/2014/main" id="{7BEA35CF-0967-4678-90CC-2BEC8AAB5AC7}"/>
+                <a16:creationId xmlns:a16="http://schemas.microsoft.com/office/drawing/2014/main" id="{B40F14C8-C1AE-4DC4-B5EA-C9A9D102805A}"/>
               </a:ext>
             </a:extLst>
           </p:cNvPr>
@@ -3541,8 +3742,8 @@
         </p:nvSpPr>
         <p:spPr>
           <a:xfrm>
-            <a:off x="229847" y="306421"/>
-            <a:ext cx="11215141" cy="523220"/>
+            <a:off x="142060" y="-66499"/>
+            <a:ext cx="10740799" cy="892552"/>
           </a:xfrm>
           <a:prstGeom prst="rect">
             <a:avLst/>
@@ -3555,23 +3756,67 @@
           <a:lstStyle/>
           <a:p>
             <a:r>
+              <a:rPr lang="en-US" sz="2800" dirty="0"/>
+              <a:t>Code for publishing an event to </a:t>
+            </a:r>
+            <a:r>
               <a:rPr lang="en-US" sz="2800" b="1" dirty="0"/>
               <a:t>Azure Event Grid </a:t>
+            </a:r>
+          </a:p>
+          <a:p>
+            <a:endParaRPr lang="en-US" sz="2400" dirty="0"/>
+          </a:p>
+        </p:txBody>
+      </p:sp>
+      <p:sp>
+        <p:nvSpPr>
+          <p:cNvPr id="6" name="Rectangle 5">
+            <a:extLst>
+              <a:ext uri="{FF2B5EF4-FFF2-40B4-BE49-F238E27FC236}">
+                <a16:creationId xmlns:a16="http://schemas.microsoft.com/office/drawing/2014/main" id="{78688206-82FE-4861-8722-33F40CDB0F55}"/>
+              </a:ext>
+            </a:extLst>
+          </p:cNvPr>
+          <p:cNvSpPr/>
+          <p:nvPr/>
+        </p:nvSpPr>
+        <p:spPr>
+          <a:xfrm>
+            <a:off x="5568847" y="2952981"/>
+            <a:ext cx="6483246" cy="1231106"/>
+          </a:xfrm>
+          <a:prstGeom prst="rect">
+            <a:avLst/>
+          </a:prstGeom>
+        </p:spPr>
+        <p:txBody>
+          <a:bodyPr wrap="square">
+            <a:spAutoFit/>
+          </a:bodyPr>
+          <a:lstStyle/>
+          <a:p>
+            <a:r>
+              <a:rPr lang="en-US" sz="2800" dirty="0"/>
+              <a:t>Source code available at </a:t>
             </a:r>
             <a:r>
               <a:rPr lang="en-US" sz="2800" dirty="0">
                 <a:hlinkClick r:id="rId3"/>
               </a:rPr>
-              <a:t>https://azure.microsoft.com/en-us/services/event-grid/</a:t>
+              <a:t>https://github.com/yshin1209/Nanoservice</a:t>
             </a:r>
             <a:endParaRPr lang="en-US" sz="2800" dirty="0"/>
+          </a:p>
+          <a:p>
+            <a:endParaRPr lang="en-US" dirty="0"/>
           </a:p>
         </p:txBody>
       </p:sp>
     </p:spTree>
     <p:extLst>
       <p:ext uri="{BB962C8B-B14F-4D97-AF65-F5344CB8AC3E}">
-        <p14:creationId xmlns:p14="http://schemas.microsoft.com/office/powerpoint/2010/main" val="3147375324"/>
+        <p14:creationId xmlns:p14="http://schemas.microsoft.com/office/powerpoint/2010/main" val="395927279"/>
       </p:ext>
     </p:extLst>
   </p:cSld>
@@ -3598,12 +3843,56 @@
           <a:chExt cx="0" cy="0"/>
         </a:xfrm>
       </p:grpSpPr>
+      <p:sp>
+        <p:nvSpPr>
+          <p:cNvPr id="5" name="Rectangle 4">
+            <a:extLst>
+              <a:ext uri="{FF2B5EF4-FFF2-40B4-BE49-F238E27FC236}">
+                <a16:creationId xmlns:a16="http://schemas.microsoft.com/office/drawing/2014/main" id="{A37753D9-269D-4D3B-8F3F-E3C2A46234A4}"/>
+              </a:ext>
+            </a:extLst>
+          </p:cNvPr>
+          <p:cNvSpPr/>
+          <p:nvPr/>
+        </p:nvSpPr>
+        <p:spPr>
+          <a:xfrm>
+            <a:off x="229847" y="306421"/>
+            <a:ext cx="11215141" cy="954107"/>
+          </a:xfrm>
+          <a:prstGeom prst="rect">
+            <a:avLst/>
+          </a:prstGeom>
+        </p:spPr>
+        <p:txBody>
+          <a:bodyPr wrap="square">
+            <a:spAutoFit/>
+          </a:bodyPr>
+          <a:lstStyle/>
+          <a:p>
+            <a:r>
+              <a:rPr lang="en-US" sz="2800" b="1" dirty="0"/>
+              <a:t>Azure Function </a:t>
+            </a:r>
+            <a:r>
+              <a:rPr lang="en-US" sz="2800" dirty="0">
+                <a:hlinkClick r:id="rId2"/>
+              </a:rPr>
+              <a:t>https://azure.microsoft.com/en-us/services/functions/</a:t>
+            </a:r>
+            <a:endParaRPr lang="en-US" sz="2800" dirty="0"/>
+          </a:p>
+          <a:p>
+            <a:endParaRPr lang="en-US" sz="2800" dirty="0"/>
+          </a:p>
+        </p:txBody>
+      </p:sp>
       <p:pic>
         <p:nvPicPr>
-          <p:cNvPr id="4" name="Picture 3">
-            <a:extLst>
-              <a:ext uri="{FF2B5EF4-FFF2-40B4-BE49-F238E27FC236}">
-                <a16:creationId xmlns:a16="http://schemas.microsoft.com/office/drawing/2014/main" id="{B727B121-5C7E-4ACD-A594-AF1C0C7665E9}"/>
+          <p:cNvPr id="2" name="Picture 1">
+            <a:extLst>
+              <a:ext uri="{FF2B5EF4-FFF2-40B4-BE49-F238E27FC236}">
+                <a16:creationId xmlns:a16="http://schemas.microsoft.com/office/drawing/2014/main" id="{5B6B5619-803E-402C-A70A-8F5E680B1E24}"/>
               </a:ext>
             </a:extLst>
           </p:cNvPr>
@@ -3613,15 +3902,15 @@
           <p:nvPr/>
         </p:nvPicPr>
         <p:blipFill>
-          <a:blip r:embed="rId2"/>
+          <a:blip r:embed="rId3"/>
           <a:stretch>
             <a:fillRect/>
           </a:stretch>
         </p:blipFill>
         <p:spPr>
           <a:xfrm>
-            <a:off x="194871" y="546985"/>
-            <a:ext cx="9698636" cy="5764030"/>
+            <a:off x="1238897" y="1035557"/>
+            <a:ext cx="8854545" cy="4675946"/>
           </a:xfrm>
           <a:prstGeom prst="rect">
             <a:avLst/>
@@ -3630,10 +3919,10 @@
       </p:pic>
       <p:sp>
         <p:nvSpPr>
-          <p:cNvPr id="5" name="Rectangle 4">
-            <a:extLst>
-              <a:ext uri="{FF2B5EF4-FFF2-40B4-BE49-F238E27FC236}">
-                <a16:creationId xmlns:a16="http://schemas.microsoft.com/office/drawing/2014/main" id="{B40F14C8-C1AE-4DC4-B5EA-C9A9D102805A}"/>
+          <p:cNvPr id="8" name="Rectangle 7">
+            <a:extLst>
+              <a:ext uri="{FF2B5EF4-FFF2-40B4-BE49-F238E27FC236}">
+                <a16:creationId xmlns:a16="http://schemas.microsoft.com/office/drawing/2014/main" id="{A7F1A492-BE35-44F1-9277-6D6710C9D5B5}"/>
               </a:ext>
             </a:extLst>
           </p:cNvPr>
@@ -3642,8 +3931,8 @@
         </p:nvSpPr>
         <p:spPr>
           <a:xfrm>
-            <a:off x="142060" y="-66499"/>
-            <a:ext cx="10740799" cy="892552"/>
+            <a:off x="145142" y="5884840"/>
+            <a:ext cx="12126686" cy="954107"/>
           </a:xfrm>
           <a:prstGeom prst="rect">
             <a:avLst/>
@@ -3657,66 +3946,23 @@
           <a:p>
             <a:r>
               <a:rPr lang="en-US" sz="2800" dirty="0"/>
-              <a:t>Code for publishing an event to </a:t>
-            </a:r>
-            <a:r>
-              <a:rPr lang="en-US" sz="2800" b="1" dirty="0"/>
-              <a:t>Azure Event Grid </a:t>
-            </a:r>
-          </a:p>
-          <a:p>
-            <a:endParaRPr lang="en-US" sz="2400" dirty="0"/>
-          </a:p>
-        </p:txBody>
-      </p:sp>
-      <p:sp>
-        <p:nvSpPr>
-          <p:cNvPr id="6" name="Rectangle 5">
-            <a:extLst>
-              <a:ext uri="{FF2B5EF4-FFF2-40B4-BE49-F238E27FC236}">
-                <a16:creationId xmlns:a16="http://schemas.microsoft.com/office/drawing/2014/main" id="{78688206-82FE-4861-8722-33F40CDB0F55}"/>
-              </a:ext>
-            </a:extLst>
-          </p:cNvPr>
-          <p:cNvSpPr/>
-          <p:nvPr/>
-        </p:nvSpPr>
-        <p:spPr>
-          <a:xfrm>
-            <a:off x="5568847" y="2952981"/>
-            <a:ext cx="6483246" cy="1231106"/>
-          </a:xfrm>
-          <a:prstGeom prst="rect">
-            <a:avLst/>
-          </a:prstGeom>
-        </p:spPr>
-        <p:txBody>
-          <a:bodyPr wrap="square">
-            <a:spAutoFit/>
-          </a:bodyPr>
-          <a:lstStyle/>
-          <a:p>
+              <a:t>This Azure Function (Hyponatremia Diagnosis) subscribes to Azure Event Grid and is triggered whenever a new </a:t>
+            </a:r>
+            <a:r>
+              <a:rPr lang="en-US" sz="2800" dirty="0" err="1"/>
+              <a:t>bloodSodium</a:t>
+            </a:r>
             <a:r>
               <a:rPr lang="en-US" sz="2800" dirty="0"/>
-              <a:t>Source code available at </a:t>
-            </a:r>
-            <a:r>
-              <a:rPr lang="en-US" sz="2800" dirty="0">
-                <a:hlinkClick r:id="rId3"/>
-              </a:rPr>
-              <a:t>https://github.com/yshin1209/Nanoservice</a:t>
-            </a:r>
-            <a:endParaRPr lang="en-US" sz="2800" dirty="0"/>
-          </a:p>
-          <a:p>
-            <a:endParaRPr lang="en-US" dirty="0"/>
+              <a:t> value is published (new event).</a:t>
+            </a:r>
           </a:p>
         </p:txBody>
       </p:sp>
     </p:spTree>
     <p:extLst>
       <p:ext uri="{BB962C8B-B14F-4D97-AF65-F5344CB8AC3E}">
-        <p14:creationId xmlns:p14="http://schemas.microsoft.com/office/powerpoint/2010/main" val="395927279"/>
+        <p14:creationId xmlns:p14="http://schemas.microsoft.com/office/powerpoint/2010/main" val="2154374261"/>
       </p:ext>
     </p:extLst>
   </p:cSld>
@@ -3743,12 +3989,56 @@
           <a:chExt cx="0" cy="0"/>
         </a:xfrm>
       </p:grpSpPr>
+      <p:sp>
+        <p:nvSpPr>
+          <p:cNvPr id="5" name="Rectangle 4">
+            <a:extLst>
+              <a:ext uri="{FF2B5EF4-FFF2-40B4-BE49-F238E27FC236}">
+                <a16:creationId xmlns:a16="http://schemas.microsoft.com/office/drawing/2014/main" id="{A37753D9-269D-4D3B-8F3F-E3C2A46234A4}"/>
+              </a:ext>
+            </a:extLst>
+          </p:cNvPr>
+          <p:cNvSpPr/>
+          <p:nvPr/>
+        </p:nvSpPr>
+        <p:spPr>
+          <a:xfrm>
+            <a:off x="229847" y="306421"/>
+            <a:ext cx="11215141" cy="954107"/>
+          </a:xfrm>
+          <a:prstGeom prst="rect">
+            <a:avLst/>
+          </a:prstGeom>
+        </p:spPr>
+        <p:txBody>
+          <a:bodyPr wrap="square">
+            <a:spAutoFit/>
+          </a:bodyPr>
+          <a:lstStyle/>
+          <a:p>
+            <a:r>
+              <a:rPr lang="en-US" sz="2800" b="1" dirty="0"/>
+              <a:t>Azure Function </a:t>
+            </a:r>
+            <a:r>
+              <a:rPr lang="en-US" sz="2800" dirty="0">
+                <a:hlinkClick r:id="rId2"/>
+              </a:rPr>
+              <a:t>https://azure.microsoft.com/en-us/services/functions/</a:t>
+            </a:r>
+            <a:endParaRPr lang="en-US" sz="2800" dirty="0"/>
+          </a:p>
+          <a:p>
+            <a:endParaRPr lang="en-US" sz="2800" dirty="0"/>
+          </a:p>
+        </p:txBody>
+      </p:sp>
       <p:pic>
         <p:nvPicPr>
-          <p:cNvPr id="4" name="Picture 3">
-            <a:extLst>
-              <a:ext uri="{FF2B5EF4-FFF2-40B4-BE49-F238E27FC236}">
-                <a16:creationId xmlns:a16="http://schemas.microsoft.com/office/drawing/2014/main" id="{1B699B9C-EE03-44A4-8A6E-2F488F305A69}"/>
+          <p:cNvPr id="2" name="Picture 1">
+            <a:extLst>
+              <a:ext uri="{FF2B5EF4-FFF2-40B4-BE49-F238E27FC236}">
+                <a16:creationId xmlns:a16="http://schemas.microsoft.com/office/drawing/2014/main" id="{2F196784-EEC6-4CBE-A0FE-A7832B4476D5}"/>
               </a:ext>
             </a:extLst>
           </p:cNvPr>
@@ -3758,41 +4048,91 @@
           <p:nvPr/>
         </p:nvPicPr>
         <p:blipFill>
-          <a:blip r:embed="rId2"/>
+          <a:blip r:embed="rId3"/>
           <a:stretch>
             <a:fillRect/>
           </a:stretch>
         </p:blipFill>
         <p:spPr>
           <a:xfrm>
-            <a:off x="135504" y="1260528"/>
-            <a:ext cx="7723982" cy="4978491"/>
+            <a:off x="320888" y="969392"/>
+            <a:ext cx="5695283" cy="671830"/>
           </a:xfrm>
           <a:prstGeom prst="rect">
             <a:avLst/>
           </a:prstGeom>
+          <a:ln>
+            <a:noFill/>
+          </a:ln>
+          <a:effectLst>
+            <a:outerShdw blurRad="292100" dist="139700" dir="2700000" algn="tl" rotWithShape="0">
+              <a:srgbClr val="333333">
+                <a:alpha val="65000"/>
+              </a:srgbClr>
+            </a:outerShdw>
+          </a:effectLst>
         </p:spPr>
       </p:pic>
-      <p:sp>
-        <p:nvSpPr>
-          <p:cNvPr id="5" name="Rectangle 4">
-            <a:extLst>
-              <a:ext uri="{FF2B5EF4-FFF2-40B4-BE49-F238E27FC236}">
-                <a16:creationId xmlns:a16="http://schemas.microsoft.com/office/drawing/2014/main" id="{A37753D9-269D-4D3B-8F3F-E3C2A46234A4}"/>
-              </a:ext>
-            </a:extLst>
-          </p:cNvPr>
-          <p:cNvSpPr/>
+      <p:pic>
+        <p:nvPicPr>
+          <p:cNvPr id="8" name="Picture 7">
+            <a:extLst>
+              <a:ext uri="{FF2B5EF4-FFF2-40B4-BE49-F238E27FC236}">
+                <a16:creationId xmlns:a16="http://schemas.microsoft.com/office/drawing/2014/main" id="{CA605BB2-DBA7-4F40-96D0-08CBB593FAA3}"/>
+              </a:ext>
+            </a:extLst>
+          </p:cNvPr>
+          <p:cNvPicPr>
+            <a:picLocks noChangeAspect="1"/>
+          </p:cNvPicPr>
           <p:nvPr/>
-        </p:nvSpPr>
-        <p:spPr>
-          <a:xfrm>
-            <a:off x="229847" y="306421"/>
-            <a:ext cx="11215141" cy="954107"/>
+        </p:nvPicPr>
+        <p:blipFill>
+          <a:blip r:embed="rId4"/>
+          <a:stretch>
+            <a:fillRect/>
+          </a:stretch>
+        </p:blipFill>
+        <p:spPr>
+          <a:xfrm>
+            <a:off x="320888" y="3350242"/>
+            <a:ext cx="8239038" cy="656206"/>
           </a:xfrm>
           <a:prstGeom prst="rect">
             <a:avLst/>
           </a:prstGeom>
+          <a:ln>
+            <a:noFill/>
+          </a:ln>
+          <a:effectLst>
+            <a:outerShdw blurRad="292100" dist="139700" dir="2700000" algn="tl" rotWithShape="0">
+              <a:srgbClr val="333333">
+                <a:alpha val="65000"/>
+              </a:srgbClr>
+            </a:outerShdw>
+          </a:effectLst>
+        </p:spPr>
+      </p:pic>
+      <p:sp>
+        <p:nvSpPr>
+          <p:cNvPr id="9" name="Rectangle 8">
+            <a:extLst>
+              <a:ext uri="{FF2B5EF4-FFF2-40B4-BE49-F238E27FC236}">
+                <a16:creationId xmlns:a16="http://schemas.microsoft.com/office/drawing/2014/main" id="{6963E91B-41F0-43F7-A765-18C8AA1A67B0}"/>
+              </a:ext>
+            </a:extLst>
+          </p:cNvPr>
+          <p:cNvSpPr/>
+          <p:nvPr/>
+        </p:nvSpPr>
+        <p:spPr>
+          <a:xfrm>
+            <a:off x="320888" y="4399019"/>
+            <a:ext cx="11215141" cy="2677656"/>
+          </a:xfrm>
+          <a:prstGeom prst="rect">
+            <a:avLst/>
+          </a:prstGeom>
         </p:spPr>
         <p:txBody>
           <a:bodyPr wrap="square">
@@ -3801,15 +4141,19 @@
           <a:lstStyle/>
           <a:p>
             <a:r>
-              <a:rPr lang="en-US" sz="2800" b="1" dirty="0"/>
-              <a:t>Azure Function </a:t>
-            </a:r>
-            <a:r>
-              <a:rPr lang="en-US" sz="2800" dirty="0">
-                <a:hlinkClick r:id="rId3"/>
-              </a:rPr>
-              <a:t>https://azure.microsoft.com/en-us/services/functions/</a:t>
-            </a:r>
+              <a:rPr lang="en-US" sz="2800" dirty="0"/>
+              <a:t>The </a:t>
+            </a:r>
+            <a:r>
+              <a:rPr lang="en-US" sz="2800" dirty="0" err="1"/>
+              <a:t>HyponatremiaDDx</a:t>
+            </a:r>
+            <a:r>
+              <a:rPr lang="en-US" sz="2800" dirty="0"/>
+              <a:t> function 1) decides whether it is hyponatremia or not, 2) adds a new variable “hyponatremia” to the patient actor in case the variable is not yet added, and 3) sets the value to true (hyponatremia) or false (not hyponatremia).</a:t>
+            </a:r>
+          </a:p>
+          <a:p>
             <a:endParaRPr lang="en-US" sz="2800" dirty="0"/>
           </a:p>
           <a:p>
@@ -3817,69 +4161,50 @@
           </a:p>
         </p:txBody>
       </p:sp>
-      <p:sp>
-        <p:nvSpPr>
-          <p:cNvPr id="6" name="Rectangle 5">
-            <a:extLst>
-              <a:ext uri="{FF2B5EF4-FFF2-40B4-BE49-F238E27FC236}">
-                <a16:creationId xmlns:a16="http://schemas.microsoft.com/office/drawing/2014/main" id="{A24B54C8-0C31-484A-8F4E-04E3154A44E0}"/>
-              </a:ext>
-            </a:extLst>
-          </p:cNvPr>
-          <p:cNvSpPr/>
+      <p:pic>
+        <p:nvPicPr>
+          <p:cNvPr id="10" name="Picture 9">
+            <a:extLst>
+              <a:ext uri="{FF2B5EF4-FFF2-40B4-BE49-F238E27FC236}">
+                <a16:creationId xmlns:a16="http://schemas.microsoft.com/office/drawing/2014/main" id="{7478EAC4-3A5E-4368-9AD5-2BADE24C23FC}"/>
+              </a:ext>
+            </a:extLst>
+          </p:cNvPr>
+          <p:cNvPicPr>
+            <a:picLocks noChangeAspect="1"/>
+          </p:cNvPicPr>
           <p:nvPr/>
-        </p:nvSpPr>
-        <p:spPr>
-          <a:xfrm>
-            <a:off x="7466644" y="2491586"/>
-            <a:ext cx="4943070" cy="3970318"/>
+        </p:nvPicPr>
+        <p:blipFill>
+          <a:blip r:embed="rId5"/>
+          <a:stretch>
+            <a:fillRect/>
+          </a:stretch>
+        </p:blipFill>
+        <p:spPr>
+          <a:xfrm>
+            <a:off x="320888" y="1910612"/>
+            <a:ext cx="7694324" cy="1170240"/>
           </a:xfrm>
           <a:prstGeom prst="rect">
             <a:avLst/>
           </a:prstGeom>
-        </p:spPr>
-        <p:txBody>
-          <a:bodyPr wrap="square">
-            <a:spAutoFit/>
-          </a:bodyPr>
-          <a:lstStyle/>
-          <a:p>
-            <a:r>
-              <a:rPr lang="en-US" sz="2800" dirty="0"/>
-              <a:t>This Azure Function (</a:t>
-            </a:r>
-            <a:r>
-              <a:rPr lang="en-US" sz="2800" dirty="0" err="1"/>
-              <a:t>HyponatremiaDDx</a:t>
-            </a:r>
-            <a:r>
-              <a:rPr lang="en-US" sz="2800" dirty="0"/>
-              <a:t>) subscribes to Azure Event Grid and is triggered whenever a new </a:t>
-            </a:r>
-            <a:r>
-              <a:rPr lang="en-US" sz="2800" dirty="0" err="1"/>
-              <a:t>bloodSodium</a:t>
-            </a:r>
-            <a:r>
-              <a:rPr lang="en-US" sz="2800" dirty="0"/>
-              <a:t> value is published (new event).</a:t>
-            </a:r>
-          </a:p>
-          <a:p>
-            <a:endParaRPr lang="en-US" sz="2800" dirty="0"/>
-          </a:p>
-          <a:p>
-            <a:endParaRPr lang="en-US" sz="2800" dirty="0"/>
-          </a:p>
-          <a:p>
-            <a:endParaRPr lang="en-US" sz="2800" dirty="0"/>
-          </a:p>
-        </p:txBody>
-      </p:sp>
+          <a:ln>
+            <a:noFill/>
+          </a:ln>
+          <a:effectLst>
+            <a:outerShdw blurRad="292100" dist="139700" dir="2700000" algn="tl" rotWithShape="0">
+              <a:srgbClr val="333333">
+                <a:alpha val="65000"/>
+              </a:srgbClr>
+            </a:outerShdw>
+          </a:effectLst>
+        </p:spPr>
+      </p:pic>
     </p:spTree>
     <p:extLst>
       <p:ext uri="{BB962C8B-B14F-4D97-AF65-F5344CB8AC3E}">
-        <p14:creationId xmlns:p14="http://schemas.microsoft.com/office/powerpoint/2010/main" val="2154374261"/>
+        <p14:creationId xmlns:p14="http://schemas.microsoft.com/office/powerpoint/2010/main" val="499019303"/>
       </p:ext>
     </p:extLst>
   </p:cSld>
@@ -3908,54 +4233,87 @@
       </p:grpSpPr>
       <p:sp>
         <p:nvSpPr>
-          <p:cNvPr id="5" name="Rectangle 4">
-            <a:extLst>
-              <a:ext uri="{FF2B5EF4-FFF2-40B4-BE49-F238E27FC236}">
-                <a16:creationId xmlns:a16="http://schemas.microsoft.com/office/drawing/2014/main" id="{A37753D9-269D-4D3B-8F3F-E3C2A46234A4}"/>
-              </a:ext>
-            </a:extLst>
-          </p:cNvPr>
-          <p:cNvSpPr/>
+          <p:cNvPr id="5" name="TextBox 4">
+            <a:extLst>
+              <a:ext uri="{FF2B5EF4-FFF2-40B4-BE49-F238E27FC236}">
+                <a16:creationId xmlns:a16="http://schemas.microsoft.com/office/drawing/2014/main" id="{FCE905A0-902E-42CB-B0E0-BF3890F3F96E}"/>
+              </a:ext>
+            </a:extLst>
+          </p:cNvPr>
+          <p:cNvSpPr txBox="1"/>
           <p:nvPr/>
         </p:nvSpPr>
         <p:spPr>
           <a:xfrm>
-            <a:off x="229847" y="306421"/>
-            <a:ext cx="11215141" cy="954107"/>
+            <a:off x="406760" y="322289"/>
+            <a:ext cx="11386097" cy="954107"/>
           </a:xfrm>
           <a:prstGeom prst="rect">
             <a:avLst/>
           </a:prstGeom>
-        </p:spPr>
-        <p:txBody>
-          <a:bodyPr wrap="square">
+          <a:noFill/>
+        </p:spPr>
+        <p:txBody>
+          <a:bodyPr wrap="square" rtlCol="0">
             <a:spAutoFit/>
           </a:bodyPr>
           <a:lstStyle/>
           <a:p>
             <a:r>
               <a:rPr lang="en-US" sz="2800" b="1" dirty="0"/>
-              <a:t>Azure Function </a:t>
-            </a:r>
-            <a:r>
-              <a:rPr lang="en-US" sz="2800" dirty="0">
-                <a:hlinkClick r:id="rId2"/>
-              </a:rPr>
-              <a:t>https://azure.microsoft.com/en-us/services/functions/</a:t>
-            </a:r>
-            <a:endParaRPr lang="en-US" sz="2800" dirty="0"/>
-          </a:p>
-          <a:p>
-            <a:endParaRPr lang="en-US" sz="2800" dirty="0"/>
+              <a:t>Step 8 [</a:t>
+            </a:r>
+            <a:r>
+              <a:rPr lang="en-US" sz="2800" b="1" dirty="0" err="1"/>
+              <a:t>getValue</a:t>
+            </a:r>
+            <a:r>
+              <a:rPr lang="en-US" sz="2800" b="1" dirty="0"/>
+              <a:t>]:</a:t>
+            </a:r>
+            <a:r>
+              <a:rPr lang="en-US" sz="2800" dirty="0"/>
+              <a:t> Get the value of the variable “hyponatremia” which is now “true” (because 109 &lt; 135)</a:t>
+            </a:r>
           </a:p>
         </p:txBody>
       </p:sp>
       <p:pic>
         <p:nvPicPr>
-          <p:cNvPr id="2" name="Picture 1">
-            <a:extLst>
-              <a:ext uri="{FF2B5EF4-FFF2-40B4-BE49-F238E27FC236}">
-                <a16:creationId xmlns:a16="http://schemas.microsoft.com/office/drawing/2014/main" id="{2F196784-EEC6-4CBE-A0FE-A7832B4476D5}"/>
+          <p:cNvPr id="3" name="Picture 2">
+            <a:extLst>
+              <a:ext uri="{FF2B5EF4-FFF2-40B4-BE49-F238E27FC236}">
+                <a16:creationId xmlns:a16="http://schemas.microsoft.com/office/drawing/2014/main" id="{38DE2CB4-7653-4646-9C61-404BAB47872D}"/>
+              </a:ext>
+            </a:extLst>
+          </p:cNvPr>
+          <p:cNvPicPr>
+            <a:picLocks noChangeAspect="1"/>
+          </p:cNvPicPr>
+          <p:nvPr/>
+        </p:nvPicPr>
+        <p:blipFill>
+          <a:blip r:embed="rId2"/>
+          <a:stretch>
+            <a:fillRect/>
+          </a:stretch>
+        </p:blipFill>
+        <p:spPr>
+          <a:xfrm>
+            <a:off x="490351" y="1830380"/>
+            <a:ext cx="4822985" cy="2139031"/>
+          </a:xfrm>
+          <a:prstGeom prst="rect">
+            <a:avLst/>
+          </a:prstGeom>
+        </p:spPr>
+      </p:pic>
+      <p:pic>
+        <p:nvPicPr>
+          <p:cNvPr id="4" name="Picture 3">
+            <a:extLst>
+              <a:ext uri="{FF2B5EF4-FFF2-40B4-BE49-F238E27FC236}">
+                <a16:creationId xmlns:a16="http://schemas.microsoft.com/office/drawing/2014/main" id="{FED37E4C-F254-4865-B1C0-48520AF16E52}"/>
               </a:ext>
             </a:extLst>
           </p:cNvPr>
@@ -3972,156 +4330,70 @@
         </p:blipFill>
         <p:spPr>
           <a:xfrm>
-            <a:off x="320888" y="969392"/>
-            <a:ext cx="5695283" cy="671830"/>
+            <a:off x="490351" y="4647455"/>
+            <a:ext cx="1662900" cy="928885"/>
           </a:xfrm>
           <a:prstGeom prst="rect">
             <a:avLst/>
           </a:prstGeom>
-          <a:ln>
-            <a:noFill/>
-          </a:ln>
-          <a:effectLst>
-            <a:outerShdw blurRad="292100" dist="139700" dir="2700000" algn="tl" rotWithShape="0">
-              <a:srgbClr val="333333">
-                <a:alpha val="65000"/>
-              </a:srgbClr>
-            </a:outerShdw>
-          </a:effectLst>
         </p:spPr>
       </p:pic>
-      <p:pic>
-        <p:nvPicPr>
-          <p:cNvPr id="8" name="Picture 7">
-            <a:extLst>
-              <a:ext uri="{FF2B5EF4-FFF2-40B4-BE49-F238E27FC236}">
-                <a16:creationId xmlns:a16="http://schemas.microsoft.com/office/drawing/2014/main" id="{CA605BB2-DBA7-4F40-96D0-08CBB593FAA3}"/>
-              </a:ext>
-            </a:extLst>
-          </p:cNvPr>
-          <p:cNvPicPr>
-            <a:picLocks noChangeAspect="1"/>
-          </p:cNvPicPr>
+      <p:sp>
+        <p:nvSpPr>
+          <p:cNvPr id="8" name="Rectangle: Rounded Corners 7">
+            <a:extLst>
+              <a:ext uri="{FF2B5EF4-FFF2-40B4-BE49-F238E27FC236}">
+                <a16:creationId xmlns:a16="http://schemas.microsoft.com/office/drawing/2014/main" id="{5BA866D1-AADE-4AA4-B490-F4B23A58B8EE}"/>
+              </a:ext>
+            </a:extLst>
+          </p:cNvPr>
+          <p:cNvSpPr/>
           <p:nvPr/>
-        </p:nvPicPr>
-        <p:blipFill>
-          <a:blip r:embed="rId4"/>
-          <a:stretch>
-            <a:fillRect/>
-          </a:stretch>
-        </p:blipFill>
-        <p:spPr>
-          <a:xfrm>
-            <a:off x="320888" y="3350242"/>
-            <a:ext cx="8239038" cy="656206"/>
-          </a:xfrm>
-          <a:prstGeom prst="rect">
+        </p:nvSpPr>
+        <p:spPr>
+          <a:xfrm>
+            <a:off x="688362" y="5044478"/>
+            <a:ext cx="863120" cy="336992"/>
+          </a:xfrm>
+          <a:prstGeom prst="roundRect">
             <a:avLst/>
           </a:prstGeom>
-          <a:ln>
-            <a:noFill/>
+          <a:noFill/>
+          <a:ln w="57150">
+            <a:solidFill>
+              <a:srgbClr val="FF0000"/>
+            </a:solidFill>
           </a:ln>
-          <a:effectLst>
-            <a:outerShdw blurRad="292100" dist="139700" dir="2700000" algn="tl" rotWithShape="0">
-              <a:srgbClr val="333333">
-                <a:alpha val="65000"/>
-              </a:srgbClr>
-            </a:outerShdw>
-          </a:effectLst>
-        </p:spPr>
-      </p:pic>
-      <p:sp>
-        <p:nvSpPr>
-          <p:cNvPr id="9" name="Rectangle 8">
-            <a:extLst>
-              <a:ext uri="{FF2B5EF4-FFF2-40B4-BE49-F238E27FC236}">
-                <a16:creationId xmlns:a16="http://schemas.microsoft.com/office/drawing/2014/main" id="{6963E91B-41F0-43F7-A765-18C8AA1A67B0}"/>
-              </a:ext>
-            </a:extLst>
-          </p:cNvPr>
-          <p:cNvSpPr/>
-          <p:nvPr/>
-        </p:nvSpPr>
-        <p:spPr>
-          <a:xfrm>
-            <a:off x="320888" y="4399019"/>
-            <a:ext cx="11215141" cy="2677656"/>
-          </a:xfrm>
-          <a:prstGeom prst="rect">
-            <a:avLst/>
-          </a:prstGeom>
-        </p:spPr>
-        <p:txBody>
-          <a:bodyPr wrap="square">
-            <a:spAutoFit/>
-          </a:bodyPr>
-          <a:lstStyle/>
-          <a:p>
-            <a:r>
-              <a:rPr lang="en-US" sz="2800" dirty="0"/>
-              <a:t>The </a:t>
-            </a:r>
-            <a:r>
-              <a:rPr lang="en-US" sz="2800" dirty="0" err="1"/>
-              <a:t>HyponatremiaDDx</a:t>
-            </a:r>
-            <a:r>
-              <a:rPr lang="en-US" sz="2800" dirty="0"/>
-              <a:t> function 1) decides whether it is hyponatremia or not, 2) adds a new variable “hyponatremia” to the patient actor in case the variable is not yet added, and 3) sets the value to true (hyponatremia) or false (not hyponatremia).</a:t>
-            </a:r>
-          </a:p>
-          <a:p>
-            <a:endParaRPr lang="en-US" sz="2800" dirty="0"/>
-          </a:p>
-          <a:p>
-            <a:endParaRPr lang="en-US" sz="2800" dirty="0"/>
-          </a:p>
-        </p:txBody>
-      </p:sp>
-      <p:pic>
-        <p:nvPicPr>
-          <p:cNvPr id="10" name="Picture 9">
-            <a:extLst>
-              <a:ext uri="{FF2B5EF4-FFF2-40B4-BE49-F238E27FC236}">
-                <a16:creationId xmlns:a16="http://schemas.microsoft.com/office/drawing/2014/main" id="{7478EAC4-3A5E-4368-9AD5-2BADE24C23FC}"/>
-              </a:ext>
-            </a:extLst>
-          </p:cNvPr>
-          <p:cNvPicPr>
-            <a:picLocks noChangeAspect="1"/>
-          </p:cNvPicPr>
-          <p:nvPr/>
-        </p:nvPicPr>
-        <p:blipFill>
-          <a:blip r:embed="rId5"/>
-          <a:stretch>
-            <a:fillRect/>
-          </a:stretch>
-        </p:blipFill>
-        <p:spPr>
-          <a:xfrm>
-            <a:off x="320888" y="1910612"/>
-            <a:ext cx="7694324" cy="1170240"/>
-          </a:xfrm>
-          <a:prstGeom prst="rect">
-            <a:avLst/>
-          </a:prstGeom>
-          <a:ln>
-            <a:noFill/>
-          </a:ln>
-          <a:effectLst>
-            <a:outerShdw blurRad="292100" dist="139700" dir="2700000" algn="tl" rotWithShape="0">
-              <a:srgbClr val="333333">
-                <a:alpha val="65000"/>
-              </a:srgbClr>
-            </a:outerShdw>
-          </a:effectLst>
-        </p:spPr>
-      </p:pic>
+        </p:spPr>
+        <p:style>
+          <a:lnRef idx="2">
+            <a:schemeClr val="accent1">
+              <a:shade val="50000"/>
+            </a:schemeClr>
+          </a:lnRef>
+          <a:fillRef idx="1">
+            <a:schemeClr val="accent1"/>
+          </a:fillRef>
+          <a:effectRef idx="0">
+            <a:schemeClr val="accent1"/>
+          </a:effectRef>
+          <a:fontRef idx="minor">
+            <a:schemeClr val="lt1"/>
+          </a:fontRef>
+        </p:style>
+        <p:txBody>
+          <a:bodyPr rtlCol="0" anchor="ctr"/>
+          <a:lstStyle/>
+          <a:p>
+            <a:pPr algn="ctr"/>
+            <a:endParaRPr lang="en-US"/>
+          </a:p>
+        </p:txBody>
+      </p:sp>
     </p:spTree>
     <p:extLst>
       <p:ext uri="{BB962C8B-B14F-4D97-AF65-F5344CB8AC3E}">
-        <p14:creationId xmlns:p14="http://schemas.microsoft.com/office/powerpoint/2010/main" val="499019303"/>
+        <p14:creationId xmlns:p14="http://schemas.microsoft.com/office/powerpoint/2010/main" val="774433794"/>
       </p:ext>
     </p:extLst>
   </p:cSld>
@@ -4163,7 +4435,7 @@
         <p:spPr>
           <a:xfrm>
             <a:off x="406760" y="322289"/>
-            <a:ext cx="11386097" cy="954107"/>
+            <a:ext cx="11386097" cy="523220"/>
           </a:xfrm>
           <a:prstGeom prst="rect">
             <a:avLst/>
@@ -4178,11 +4450,11 @@
           <a:p>
             <a:r>
               <a:rPr lang="en-US" sz="2800" b="1" dirty="0"/>
-              <a:t>Step 8 [</a:t>
+              <a:t>Step 9 [</a:t>
             </a:r>
             <a:r>
               <a:rPr lang="en-US" sz="2800" b="1" dirty="0" err="1"/>
-              <a:t>getValue</a:t>
+              <a:t>setValue</a:t>
             </a:r>
             <a:r>
               <a:rPr lang="en-US" sz="2800" b="1" dirty="0"/>
@@ -4190,17 +4462,25 @@
             </a:r>
             <a:r>
               <a:rPr lang="en-US" sz="2800" dirty="0"/>
-              <a:t> Get the value of the variable “hyponatremia” which is now “true” (because 109 &lt; 135)</a:t>
+              <a:t> Set the value of the variable “</a:t>
+            </a:r>
+            <a:r>
+              <a:rPr lang="en-US" sz="2800" dirty="0" err="1"/>
+              <a:t>bloodSodium</a:t>
+            </a:r>
+            <a:r>
+              <a:rPr lang="en-US" sz="2800" dirty="0"/>
+              <a:t>” to 235. </a:t>
             </a:r>
           </a:p>
         </p:txBody>
       </p:sp>
       <p:pic>
         <p:nvPicPr>
-          <p:cNvPr id="3" name="Picture 2">
-            <a:extLst>
-              <a:ext uri="{FF2B5EF4-FFF2-40B4-BE49-F238E27FC236}">
-                <a16:creationId xmlns:a16="http://schemas.microsoft.com/office/drawing/2014/main" id="{38DE2CB4-7653-4646-9C61-404BAB47872D}"/>
+          <p:cNvPr id="6" name="Picture 5">
+            <a:extLst>
+              <a:ext uri="{FF2B5EF4-FFF2-40B4-BE49-F238E27FC236}">
+                <a16:creationId xmlns:a16="http://schemas.microsoft.com/office/drawing/2014/main" id="{155B7113-93E6-4C7E-832B-8171C211B55A}"/>
               </a:ext>
             </a:extLst>
           </p:cNvPr>
@@ -4217,20 +4497,67 @@
         </p:blipFill>
         <p:spPr>
           <a:xfrm>
-            <a:off x="490351" y="1830380"/>
-            <a:ext cx="4822985" cy="2139031"/>
+            <a:off x="406760" y="1247737"/>
+            <a:ext cx="3721757" cy="1871472"/>
           </a:xfrm>
           <a:prstGeom prst="rect">
             <a:avLst/>
           </a:prstGeom>
         </p:spPr>
       </p:pic>
+      <p:sp>
+        <p:nvSpPr>
+          <p:cNvPr id="8" name="TextBox 7">
+            <a:extLst>
+              <a:ext uri="{FF2B5EF4-FFF2-40B4-BE49-F238E27FC236}">
+                <a16:creationId xmlns:a16="http://schemas.microsoft.com/office/drawing/2014/main" id="{BAE361EB-9149-4690-9A2C-2BA1E5838B80}"/>
+              </a:ext>
+            </a:extLst>
+          </p:cNvPr>
+          <p:cNvSpPr txBox="1"/>
+          <p:nvPr/>
+        </p:nvSpPr>
+        <p:spPr>
+          <a:xfrm>
+            <a:off x="329624" y="3663965"/>
+            <a:ext cx="11386097" cy="954107"/>
+          </a:xfrm>
+          <a:prstGeom prst="rect">
+            <a:avLst/>
+          </a:prstGeom>
+          <a:noFill/>
+        </p:spPr>
+        <p:txBody>
+          <a:bodyPr wrap="square" rtlCol="0">
+            <a:spAutoFit/>
+          </a:bodyPr>
+          <a:lstStyle/>
+          <a:p>
+            <a:r>
+              <a:rPr lang="en-US" sz="2800" b="1" dirty="0"/>
+              <a:t>Step 10 [</a:t>
+            </a:r>
+            <a:r>
+              <a:rPr lang="en-US" sz="2800" b="1" dirty="0" err="1"/>
+              <a:t>getValue</a:t>
+            </a:r>
+            <a:r>
+              <a:rPr lang="en-US" sz="2800" b="1" dirty="0"/>
+              <a:t>]:</a:t>
+            </a:r>
+            <a:r>
+              <a:rPr lang="en-US" sz="2800" dirty="0"/>
+              <a:t> Get the value of the variable “hyponatremia” which is now “false” (because 235 &gt; 135)</a:t>
+            </a:r>
+          </a:p>
+        </p:txBody>
+      </p:sp>
       <p:pic>
         <p:nvPicPr>
-          <p:cNvPr id="4" name="Picture 3">
-            <a:extLst>
-              <a:ext uri="{FF2B5EF4-FFF2-40B4-BE49-F238E27FC236}">
-                <a16:creationId xmlns:a16="http://schemas.microsoft.com/office/drawing/2014/main" id="{FED37E4C-F254-4865-B1C0-48520AF16E52}"/>
+          <p:cNvPr id="7" name="Picture 6">
+            <a:extLst>
+              <a:ext uri="{FF2B5EF4-FFF2-40B4-BE49-F238E27FC236}">
+                <a16:creationId xmlns:a16="http://schemas.microsoft.com/office/drawing/2014/main" id="{000731F9-A561-4E2E-B3EC-5DFA222D70B7}"/>
               </a:ext>
             </a:extLst>
           </p:cNvPr>
@@ -4247,8 +4574,8 @@
         </p:blipFill>
         <p:spPr>
           <a:xfrm>
-            <a:off x="490351" y="4647455"/>
-            <a:ext cx="1662900" cy="928885"/>
+            <a:off x="406760" y="4924416"/>
+            <a:ext cx="1421207" cy="804457"/>
           </a:xfrm>
           <a:prstGeom prst="rect">
             <a:avLst/>
@@ -4257,10 +4584,10 @@
       </p:pic>
       <p:sp>
         <p:nvSpPr>
-          <p:cNvPr id="8" name="Rectangle: Rounded Corners 7">
-            <a:extLst>
-              <a:ext uri="{FF2B5EF4-FFF2-40B4-BE49-F238E27FC236}">
-                <a16:creationId xmlns:a16="http://schemas.microsoft.com/office/drawing/2014/main" id="{5BA866D1-AADE-4AA4-B490-F4B23A58B8EE}"/>
+          <p:cNvPr id="10" name="Rectangle: Rounded Corners 9">
+            <a:extLst>
+              <a:ext uri="{FF2B5EF4-FFF2-40B4-BE49-F238E27FC236}">
+                <a16:creationId xmlns:a16="http://schemas.microsoft.com/office/drawing/2014/main" id="{EBDB7595-E2A3-4886-98BF-7B72D3940BCF}"/>
               </a:ext>
             </a:extLst>
           </p:cNvPr>
@@ -4269,7 +4596,7 @@
         </p:nvSpPr>
         <p:spPr>
           <a:xfrm>
-            <a:off x="688362" y="5044478"/>
+            <a:off x="755818" y="5326644"/>
             <a:ext cx="863120" cy="336992"/>
           </a:xfrm>
           <a:prstGeom prst="roundRect">
@@ -4310,7 +4637,7 @@
     </p:spTree>
     <p:extLst>
       <p:ext uri="{BB962C8B-B14F-4D97-AF65-F5344CB8AC3E}">
-        <p14:creationId xmlns:p14="http://schemas.microsoft.com/office/powerpoint/2010/main" val="774433794"/>
+        <p14:creationId xmlns:p14="http://schemas.microsoft.com/office/powerpoint/2010/main" val="238346499"/>
       </p:ext>
     </p:extLst>
   </p:cSld>
@@ -4321,250 +4648,6 @@
 </file>
 
 <file path=ppt/slides/slide15.xml><?xml version="1.0" encoding="utf-8"?>
-<p:sld xmlns:a="http://schemas.openxmlformats.org/drawingml/2006/main" xmlns:r="http://schemas.openxmlformats.org/officeDocument/2006/relationships" xmlns:p="http://schemas.openxmlformats.org/presentationml/2006/main">
-  <p:cSld>
-    <p:spTree>
-      <p:nvGrpSpPr>
-        <p:cNvPr id="1" name=""/>
-        <p:cNvGrpSpPr/>
-        <p:nvPr/>
-      </p:nvGrpSpPr>
-      <p:grpSpPr>
-        <a:xfrm>
-          <a:off x="0" y="0"/>
-          <a:ext cx="0" cy="0"/>
-          <a:chOff x="0" y="0"/>
-          <a:chExt cx="0" cy="0"/>
-        </a:xfrm>
-      </p:grpSpPr>
-      <p:sp>
-        <p:nvSpPr>
-          <p:cNvPr id="5" name="TextBox 4">
-            <a:extLst>
-              <a:ext uri="{FF2B5EF4-FFF2-40B4-BE49-F238E27FC236}">
-                <a16:creationId xmlns:a16="http://schemas.microsoft.com/office/drawing/2014/main" id="{FCE905A0-902E-42CB-B0E0-BF3890F3F96E}"/>
-              </a:ext>
-            </a:extLst>
-          </p:cNvPr>
-          <p:cNvSpPr txBox="1"/>
-          <p:nvPr/>
-        </p:nvSpPr>
-        <p:spPr>
-          <a:xfrm>
-            <a:off x="406760" y="322289"/>
-            <a:ext cx="11386097" cy="523220"/>
-          </a:xfrm>
-          <a:prstGeom prst="rect">
-            <a:avLst/>
-          </a:prstGeom>
-          <a:noFill/>
-        </p:spPr>
-        <p:txBody>
-          <a:bodyPr wrap="square" rtlCol="0">
-            <a:spAutoFit/>
-          </a:bodyPr>
-          <a:lstStyle/>
-          <a:p>
-            <a:r>
-              <a:rPr lang="en-US" sz="2800" b="1" dirty="0"/>
-              <a:t>Step 9 [</a:t>
-            </a:r>
-            <a:r>
-              <a:rPr lang="en-US" sz="2800" b="1" dirty="0" err="1"/>
-              <a:t>setValue</a:t>
-            </a:r>
-            <a:r>
-              <a:rPr lang="en-US" sz="2800" b="1" dirty="0"/>
-              <a:t>]:</a:t>
-            </a:r>
-            <a:r>
-              <a:rPr lang="en-US" sz="2800" dirty="0"/>
-              <a:t> Set the value of the variable “</a:t>
-            </a:r>
-            <a:r>
-              <a:rPr lang="en-US" sz="2800" dirty="0" err="1"/>
-              <a:t>bloodSodium</a:t>
-            </a:r>
-            <a:r>
-              <a:rPr lang="en-US" sz="2800" dirty="0"/>
-              <a:t>” to 235. </a:t>
-            </a:r>
-          </a:p>
-        </p:txBody>
-      </p:sp>
-      <p:pic>
-        <p:nvPicPr>
-          <p:cNvPr id="6" name="Picture 5">
-            <a:extLst>
-              <a:ext uri="{FF2B5EF4-FFF2-40B4-BE49-F238E27FC236}">
-                <a16:creationId xmlns:a16="http://schemas.microsoft.com/office/drawing/2014/main" id="{155B7113-93E6-4C7E-832B-8171C211B55A}"/>
-              </a:ext>
-            </a:extLst>
-          </p:cNvPr>
-          <p:cNvPicPr>
-            <a:picLocks noChangeAspect="1"/>
-          </p:cNvPicPr>
-          <p:nvPr/>
-        </p:nvPicPr>
-        <p:blipFill>
-          <a:blip r:embed="rId2"/>
-          <a:stretch>
-            <a:fillRect/>
-          </a:stretch>
-        </p:blipFill>
-        <p:spPr>
-          <a:xfrm>
-            <a:off x="406760" y="1247737"/>
-            <a:ext cx="3721757" cy="1871472"/>
-          </a:xfrm>
-          <a:prstGeom prst="rect">
-            <a:avLst/>
-          </a:prstGeom>
-        </p:spPr>
-      </p:pic>
-      <p:sp>
-        <p:nvSpPr>
-          <p:cNvPr id="8" name="TextBox 7">
-            <a:extLst>
-              <a:ext uri="{FF2B5EF4-FFF2-40B4-BE49-F238E27FC236}">
-                <a16:creationId xmlns:a16="http://schemas.microsoft.com/office/drawing/2014/main" id="{BAE361EB-9149-4690-9A2C-2BA1E5838B80}"/>
-              </a:ext>
-            </a:extLst>
-          </p:cNvPr>
-          <p:cNvSpPr txBox="1"/>
-          <p:nvPr/>
-        </p:nvSpPr>
-        <p:spPr>
-          <a:xfrm>
-            <a:off x="329624" y="3663965"/>
-            <a:ext cx="11386097" cy="954107"/>
-          </a:xfrm>
-          <a:prstGeom prst="rect">
-            <a:avLst/>
-          </a:prstGeom>
-          <a:noFill/>
-        </p:spPr>
-        <p:txBody>
-          <a:bodyPr wrap="square" rtlCol="0">
-            <a:spAutoFit/>
-          </a:bodyPr>
-          <a:lstStyle/>
-          <a:p>
-            <a:r>
-              <a:rPr lang="en-US" sz="2800" b="1" dirty="0"/>
-              <a:t>Step 10 [</a:t>
-            </a:r>
-            <a:r>
-              <a:rPr lang="en-US" sz="2800" b="1" dirty="0" err="1"/>
-              <a:t>getValue</a:t>
-            </a:r>
-            <a:r>
-              <a:rPr lang="en-US" sz="2800" b="1" dirty="0"/>
-              <a:t>]:</a:t>
-            </a:r>
-            <a:r>
-              <a:rPr lang="en-US" sz="2800" dirty="0"/>
-              <a:t> Get the value of the variable “hyponatremia” which is now “false” (because 235 &gt; 135)</a:t>
-            </a:r>
-          </a:p>
-        </p:txBody>
-      </p:sp>
-      <p:pic>
-        <p:nvPicPr>
-          <p:cNvPr id="7" name="Picture 6">
-            <a:extLst>
-              <a:ext uri="{FF2B5EF4-FFF2-40B4-BE49-F238E27FC236}">
-                <a16:creationId xmlns:a16="http://schemas.microsoft.com/office/drawing/2014/main" id="{000731F9-A561-4E2E-B3EC-5DFA222D70B7}"/>
-              </a:ext>
-            </a:extLst>
-          </p:cNvPr>
-          <p:cNvPicPr>
-            <a:picLocks noChangeAspect="1"/>
-          </p:cNvPicPr>
-          <p:nvPr/>
-        </p:nvPicPr>
-        <p:blipFill>
-          <a:blip r:embed="rId3"/>
-          <a:stretch>
-            <a:fillRect/>
-          </a:stretch>
-        </p:blipFill>
-        <p:spPr>
-          <a:xfrm>
-            <a:off x="406760" y="4924416"/>
-            <a:ext cx="1421207" cy="804457"/>
-          </a:xfrm>
-          <a:prstGeom prst="rect">
-            <a:avLst/>
-          </a:prstGeom>
-        </p:spPr>
-      </p:pic>
-      <p:sp>
-        <p:nvSpPr>
-          <p:cNvPr id="10" name="Rectangle: Rounded Corners 9">
-            <a:extLst>
-              <a:ext uri="{FF2B5EF4-FFF2-40B4-BE49-F238E27FC236}">
-                <a16:creationId xmlns:a16="http://schemas.microsoft.com/office/drawing/2014/main" id="{EBDB7595-E2A3-4886-98BF-7B72D3940BCF}"/>
-              </a:ext>
-            </a:extLst>
-          </p:cNvPr>
-          <p:cNvSpPr/>
-          <p:nvPr/>
-        </p:nvSpPr>
-        <p:spPr>
-          <a:xfrm>
-            <a:off x="755818" y="5326644"/>
-            <a:ext cx="863120" cy="336992"/>
-          </a:xfrm>
-          <a:prstGeom prst="roundRect">
-            <a:avLst/>
-          </a:prstGeom>
-          <a:noFill/>
-          <a:ln w="57150">
-            <a:solidFill>
-              <a:srgbClr val="FF0000"/>
-            </a:solidFill>
-          </a:ln>
-        </p:spPr>
-        <p:style>
-          <a:lnRef idx="2">
-            <a:schemeClr val="accent1">
-              <a:shade val="50000"/>
-            </a:schemeClr>
-          </a:lnRef>
-          <a:fillRef idx="1">
-            <a:schemeClr val="accent1"/>
-          </a:fillRef>
-          <a:effectRef idx="0">
-            <a:schemeClr val="accent1"/>
-          </a:effectRef>
-          <a:fontRef idx="minor">
-            <a:schemeClr val="lt1"/>
-          </a:fontRef>
-        </p:style>
-        <p:txBody>
-          <a:bodyPr rtlCol="0" anchor="ctr"/>
-          <a:lstStyle/>
-          <a:p>
-            <a:pPr algn="ctr"/>
-            <a:endParaRPr lang="en-US"/>
-          </a:p>
-        </p:txBody>
-      </p:sp>
-    </p:spTree>
-    <p:extLst>
-      <p:ext uri="{BB962C8B-B14F-4D97-AF65-F5344CB8AC3E}">
-        <p14:creationId xmlns:p14="http://schemas.microsoft.com/office/powerpoint/2010/main" val="238346499"/>
-      </p:ext>
-    </p:extLst>
-  </p:cSld>
-  <p:clrMapOvr>
-    <a:masterClrMapping/>
-  </p:clrMapOvr>
-</p:sld>
-</file>
-
-<file path=ppt/slides/slide16.xml><?xml version="1.0" encoding="utf-8"?>
 <p:sld xmlns:a="http://schemas.openxmlformats.org/drawingml/2006/main" xmlns:r="http://schemas.openxmlformats.org/officeDocument/2006/relationships" xmlns:p="http://schemas.openxmlformats.org/presentationml/2006/main">
   <p:cSld>
     <p:spTree>
@@ -6228,448 +6311,34 @@
       </p:grpSpPr>
       <p:pic>
         <p:nvPicPr>
-          <p:cNvPr id="1026" name="Picture 2" descr="Image result for publish subscribe model">
-            <a:extLst>
-              <a:ext uri="{FF2B5EF4-FFF2-40B4-BE49-F238E27FC236}">
-                <a16:creationId xmlns:a16="http://schemas.microsoft.com/office/drawing/2014/main" id="{4CDF9832-C5A4-4788-AF6F-5385317C007F}"/>
+          <p:cNvPr id="6" name="Picture 5">
+            <a:extLst>
+              <a:ext uri="{FF2B5EF4-FFF2-40B4-BE49-F238E27FC236}">
+                <a16:creationId xmlns:a16="http://schemas.microsoft.com/office/drawing/2014/main" id="{66151819-396B-4C51-8D9E-C6C0DAE68297}"/>
               </a:ext>
             </a:extLst>
           </p:cNvPr>
           <p:cNvPicPr>
-            <a:picLocks noChangeAspect="1" noChangeArrowheads="1"/>
+            <a:picLocks noChangeAspect="1"/>
           </p:cNvPicPr>
           <p:nvPr/>
         </p:nvPicPr>
         <p:blipFill>
-          <a:blip r:embed="rId2">
-            <a:extLst>
-              <a:ext uri="{28A0092B-C50C-407E-A947-70E740481C1C}">
-                <a14:useLocalDpi xmlns:a14="http://schemas.microsoft.com/office/drawing/2010/main" val="0"/>
-              </a:ext>
-            </a:extLst>
-          </a:blip>
-          <a:srcRect/>
+          <a:blip r:embed="rId2"/>
           <a:stretch>
             <a:fillRect/>
           </a:stretch>
         </p:blipFill>
-        <p:spPr bwMode="auto">
-          <a:xfrm>
-            <a:off x="1781742" y="817518"/>
-            <a:ext cx="8628516" cy="5592295"/>
+        <p:spPr>
+          <a:xfrm>
+            <a:off x="1314415" y="416696"/>
+            <a:ext cx="9563170" cy="6024607"/>
           </a:xfrm>
           <a:prstGeom prst="rect">
             <a:avLst/>
           </a:prstGeom>
-          <a:noFill/>
-          <a:extLst>
-            <a:ext uri="{909E8E84-426E-40DD-AFC4-6F175D3DCCD1}">
-              <a14:hiddenFill xmlns:a14="http://schemas.microsoft.com/office/drawing/2010/main">
-                <a:solidFill>
-                  <a:srgbClr val="FFFFFF"/>
-                </a:solidFill>
-              </a14:hiddenFill>
-            </a:ext>
-          </a:extLst>
         </p:spPr>
       </p:pic>
-      <p:sp>
-        <p:nvSpPr>
-          <p:cNvPr id="3" name="Rectangle 2">
-            <a:extLst>
-              <a:ext uri="{FF2B5EF4-FFF2-40B4-BE49-F238E27FC236}">
-                <a16:creationId xmlns:a16="http://schemas.microsoft.com/office/drawing/2014/main" id="{546CF341-BC89-475D-AD7C-5288F3E4C3EC}"/>
-              </a:ext>
-            </a:extLst>
-          </p:cNvPr>
-          <p:cNvSpPr/>
-          <p:nvPr/>
-        </p:nvSpPr>
-        <p:spPr>
-          <a:xfrm>
-            <a:off x="3634090" y="6328620"/>
-            <a:ext cx="5504392" cy="369332"/>
-          </a:xfrm>
-          <a:prstGeom prst="rect">
-            <a:avLst/>
-          </a:prstGeom>
-        </p:spPr>
-        <p:txBody>
-          <a:bodyPr wrap="none">
-            <a:spAutoFit/>
-          </a:bodyPr>
-          <a:lstStyle/>
-          <a:p>
-            <a:r>
-              <a:rPr lang="en-US" dirty="0">
-                <a:solidFill>
-                  <a:schemeClr val="bg1">
-                    <a:lumMod val="85000"/>
-                  </a:schemeClr>
-                </a:solidFill>
-              </a:rPr>
-              <a:t>https://dev.to/kenwalger/overview-of-the-mqtt-protocol</a:t>
-            </a:r>
-          </a:p>
-        </p:txBody>
-      </p:sp>
-      <p:sp>
-        <p:nvSpPr>
-          <p:cNvPr id="4" name="TextBox 3">
-            <a:extLst>
-              <a:ext uri="{FF2B5EF4-FFF2-40B4-BE49-F238E27FC236}">
-                <a16:creationId xmlns:a16="http://schemas.microsoft.com/office/drawing/2014/main" id="{EB1268E2-C91B-48A9-BFD8-C3C8E47719FB}"/>
-              </a:ext>
-            </a:extLst>
-          </p:cNvPr>
-          <p:cNvSpPr txBox="1"/>
-          <p:nvPr/>
-        </p:nvSpPr>
-        <p:spPr>
-          <a:xfrm>
-            <a:off x="4356627" y="5436952"/>
-            <a:ext cx="3377143" cy="646331"/>
-          </a:xfrm>
-          <a:prstGeom prst="rect">
-            <a:avLst/>
-          </a:prstGeom>
-          <a:solidFill>
-            <a:schemeClr val="bg1"/>
-          </a:solidFill>
-        </p:spPr>
-        <p:txBody>
-          <a:bodyPr wrap="none" rtlCol="0">
-            <a:spAutoFit/>
-          </a:bodyPr>
-          <a:lstStyle/>
-          <a:p>
-            <a:r>
-              <a:rPr lang="en-US" sz="3600" b="1" dirty="0"/>
-              <a:t>Azure Event Grid</a:t>
-            </a:r>
-          </a:p>
-        </p:txBody>
-      </p:sp>
-      <p:sp>
-        <p:nvSpPr>
-          <p:cNvPr id="12" name="TextBox 11">
-            <a:extLst>
-              <a:ext uri="{FF2B5EF4-FFF2-40B4-BE49-F238E27FC236}">
-                <a16:creationId xmlns:a16="http://schemas.microsoft.com/office/drawing/2014/main" id="{50A5992B-E6D4-4896-BFF6-F41569714857}"/>
-              </a:ext>
-            </a:extLst>
-          </p:cNvPr>
-          <p:cNvSpPr txBox="1"/>
-          <p:nvPr/>
-        </p:nvSpPr>
-        <p:spPr>
-          <a:xfrm>
-            <a:off x="7232195" y="0"/>
-            <a:ext cx="4014369" cy="1200329"/>
-          </a:xfrm>
-          <a:prstGeom prst="rect">
-            <a:avLst/>
-          </a:prstGeom>
-          <a:solidFill>
-            <a:schemeClr val="bg1"/>
-          </a:solidFill>
-        </p:spPr>
-        <p:txBody>
-          <a:bodyPr wrap="none" rtlCol="0">
-            <a:spAutoFit/>
-          </a:bodyPr>
-          <a:lstStyle/>
-          <a:p>
-            <a:pPr algn="ctr"/>
-            <a:r>
-              <a:rPr lang="en-US" sz="3600" b="1" dirty="0"/>
-              <a:t>Azure Function</a:t>
-            </a:r>
-          </a:p>
-          <a:p>
-            <a:pPr algn="ctr"/>
-            <a:r>
-              <a:rPr lang="en-US" sz="3600" b="1" dirty="0"/>
-              <a:t>(</a:t>
-            </a:r>
-            <a:r>
-              <a:rPr lang="en-US" sz="3600" b="1" dirty="0" err="1"/>
-              <a:t>HyponatremiaDDx</a:t>
-            </a:r>
-            <a:r>
-              <a:rPr lang="en-US" sz="3600" b="1" dirty="0"/>
-              <a:t>)</a:t>
-            </a:r>
-          </a:p>
-        </p:txBody>
-      </p:sp>
-      <p:sp>
-        <p:nvSpPr>
-          <p:cNvPr id="7" name="Arrow: Up 6">
-            <a:extLst>
-              <a:ext uri="{FF2B5EF4-FFF2-40B4-BE49-F238E27FC236}">
-                <a16:creationId xmlns:a16="http://schemas.microsoft.com/office/drawing/2014/main" id="{270BC4F3-A7CD-4337-AE39-F1F74D79381B}"/>
-              </a:ext>
-            </a:extLst>
-          </p:cNvPr>
-          <p:cNvSpPr/>
-          <p:nvPr/>
-        </p:nvSpPr>
-        <p:spPr>
-          <a:xfrm>
-            <a:off x="2823028" y="4034082"/>
-            <a:ext cx="558800" cy="210457"/>
-          </a:xfrm>
-          <a:prstGeom prst="upArrow">
-            <a:avLst/>
-          </a:prstGeom>
-          <a:solidFill>
-            <a:schemeClr val="tx1"/>
-          </a:solidFill>
-          <a:ln>
-            <a:solidFill>
-              <a:schemeClr val="tx1"/>
-            </a:solidFill>
-          </a:ln>
-        </p:spPr>
-        <p:style>
-          <a:lnRef idx="2">
-            <a:schemeClr val="accent1">
-              <a:shade val="50000"/>
-            </a:schemeClr>
-          </a:lnRef>
-          <a:fillRef idx="1">
-            <a:schemeClr val="accent1"/>
-          </a:fillRef>
-          <a:effectRef idx="0">
-            <a:schemeClr val="accent1"/>
-          </a:effectRef>
-          <a:fontRef idx="minor">
-            <a:schemeClr val="lt1"/>
-          </a:fontRef>
-        </p:style>
-        <p:txBody>
-          <a:bodyPr rtlCol="0" anchor="ctr"/>
-          <a:lstStyle/>
-          <a:p>
-            <a:pPr algn="ctr"/>
-            <a:endParaRPr lang="en-US"/>
-          </a:p>
-        </p:txBody>
-      </p:sp>
-      <p:sp>
-        <p:nvSpPr>
-          <p:cNvPr id="13" name="Rectangle 12">
-            <a:extLst>
-              <a:ext uri="{FF2B5EF4-FFF2-40B4-BE49-F238E27FC236}">
-                <a16:creationId xmlns:a16="http://schemas.microsoft.com/office/drawing/2014/main" id="{3F30CD15-6C65-47AC-8E4E-54DE980E0F95}"/>
-              </a:ext>
-            </a:extLst>
-          </p:cNvPr>
-          <p:cNvSpPr/>
-          <p:nvPr/>
-        </p:nvSpPr>
-        <p:spPr>
-          <a:xfrm>
-            <a:off x="3693886" y="3936179"/>
-            <a:ext cx="1640114" cy="432621"/>
-          </a:xfrm>
-          <a:prstGeom prst="rect">
-            <a:avLst/>
-          </a:prstGeom>
-          <a:solidFill>
-            <a:schemeClr val="bg1"/>
-          </a:solidFill>
-          <a:ln>
-            <a:noFill/>
-          </a:ln>
-        </p:spPr>
-        <p:style>
-          <a:lnRef idx="2">
-            <a:schemeClr val="accent1">
-              <a:shade val="50000"/>
-            </a:schemeClr>
-          </a:lnRef>
-          <a:fillRef idx="1">
-            <a:schemeClr val="accent1"/>
-          </a:fillRef>
-          <a:effectRef idx="0">
-            <a:schemeClr val="accent1"/>
-          </a:effectRef>
-          <a:fontRef idx="minor">
-            <a:schemeClr val="lt1"/>
-          </a:fontRef>
-        </p:style>
-        <p:txBody>
-          <a:bodyPr rtlCol="0" anchor="ctr"/>
-          <a:lstStyle/>
-          <a:p>
-            <a:pPr algn="ctr"/>
-            <a:endParaRPr lang="en-US"/>
-          </a:p>
-        </p:txBody>
-      </p:sp>
-      <p:sp>
-        <p:nvSpPr>
-          <p:cNvPr id="15" name="TextBox 14">
-            <a:extLst>
-              <a:ext uri="{FF2B5EF4-FFF2-40B4-BE49-F238E27FC236}">
-                <a16:creationId xmlns:a16="http://schemas.microsoft.com/office/drawing/2014/main" id="{C245933A-4C5A-40D3-BF81-1512E79993C6}"/>
-              </a:ext>
-            </a:extLst>
-          </p:cNvPr>
-          <p:cNvSpPr txBox="1"/>
-          <p:nvPr/>
-        </p:nvSpPr>
-        <p:spPr>
-          <a:xfrm>
-            <a:off x="1262742" y="4229135"/>
-            <a:ext cx="3957878" cy="1200329"/>
-          </a:xfrm>
-          <a:prstGeom prst="rect">
-            <a:avLst/>
-          </a:prstGeom>
-          <a:solidFill>
-            <a:schemeClr val="bg1"/>
-          </a:solidFill>
-        </p:spPr>
-        <p:txBody>
-          <a:bodyPr wrap="none" rtlCol="0">
-            <a:spAutoFit/>
-          </a:bodyPr>
-          <a:lstStyle/>
-          <a:p>
-            <a:pPr algn="ctr"/>
-            <a:r>
-              <a:rPr lang="en-US" sz="3600" b="1" dirty="0"/>
-              <a:t>Service Fabric Actor</a:t>
-            </a:r>
-          </a:p>
-          <a:p>
-            <a:pPr algn="ctr"/>
-            <a:r>
-              <a:rPr lang="en-US" sz="3600" b="1" dirty="0"/>
-              <a:t>(</a:t>
-            </a:r>
-            <a:r>
-              <a:rPr lang="en-US" sz="3600" b="1"/>
-              <a:t>Patient Actor</a:t>
-            </a:r>
-            <a:r>
-              <a:rPr lang="en-US" sz="3600" b="1" dirty="0"/>
-              <a:t>)</a:t>
-            </a:r>
-          </a:p>
-        </p:txBody>
-      </p:sp>
-      <p:sp>
-        <p:nvSpPr>
-          <p:cNvPr id="16" name="Arrow: Up 15">
-            <a:extLst>
-              <a:ext uri="{FF2B5EF4-FFF2-40B4-BE49-F238E27FC236}">
-                <a16:creationId xmlns:a16="http://schemas.microsoft.com/office/drawing/2014/main" id="{3977E3B7-0492-4D2B-B59E-5599B5FD9E7B}"/>
-              </a:ext>
-            </a:extLst>
-          </p:cNvPr>
-          <p:cNvSpPr/>
-          <p:nvPr/>
-        </p:nvSpPr>
-        <p:spPr>
-          <a:xfrm>
-            <a:off x="5765799" y="5259732"/>
-            <a:ext cx="558800" cy="210457"/>
-          </a:xfrm>
-          <a:prstGeom prst="upArrow">
-            <a:avLst/>
-          </a:prstGeom>
-          <a:solidFill>
-            <a:schemeClr val="tx1"/>
-          </a:solidFill>
-          <a:ln>
-            <a:solidFill>
-              <a:schemeClr val="tx1"/>
-            </a:solidFill>
-          </a:ln>
-        </p:spPr>
-        <p:style>
-          <a:lnRef idx="2">
-            <a:schemeClr val="accent1">
-              <a:shade val="50000"/>
-            </a:schemeClr>
-          </a:lnRef>
-          <a:fillRef idx="1">
-            <a:schemeClr val="accent1"/>
-          </a:fillRef>
-          <a:effectRef idx="0">
-            <a:schemeClr val="accent1"/>
-          </a:effectRef>
-          <a:fontRef idx="minor">
-            <a:schemeClr val="lt1"/>
-          </a:fontRef>
-        </p:style>
-        <p:txBody>
-          <a:bodyPr rtlCol="0" anchor="ctr"/>
-          <a:lstStyle/>
-          <a:p>
-            <a:pPr algn="ctr"/>
-            <a:endParaRPr lang="en-US"/>
-          </a:p>
-        </p:txBody>
-      </p:sp>
-      <p:sp>
-        <p:nvSpPr>
-          <p:cNvPr id="17" name="Arrow: Up 16">
-            <a:extLst>
-              <a:ext uri="{FF2B5EF4-FFF2-40B4-BE49-F238E27FC236}">
-                <a16:creationId xmlns:a16="http://schemas.microsoft.com/office/drawing/2014/main" id="{C0D261A8-A6A5-403E-84F5-D8A694EB514D}"/>
-              </a:ext>
-            </a:extLst>
-          </p:cNvPr>
-          <p:cNvSpPr/>
-          <p:nvPr/>
-        </p:nvSpPr>
-        <p:spPr>
-          <a:xfrm rot="10800000">
-            <a:off x="8859082" y="1133941"/>
-            <a:ext cx="558800" cy="210457"/>
-          </a:xfrm>
-          <a:prstGeom prst="upArrow">
-            <a:avLst/>
-          </a:prstGeom>
-          <a:solidFill>
-            <a:schemeClr val="tx1"/>
-          </a:solidFill>
-          <a:ln>
-            <a:solidFill>
-              <a:schemeClr val="tx1"/>
-            </a:solidFill>
-          </a:ln>
-        </p:spPr>
-        <p:style>
-          <a:lnRef idx="2">
-            <a:schemeClr val="accent1">
-              <a:shade val="50000"/>
-            </a:schemeClr>
-          </a:lnRef>
-          <a:fillRef idx="1">
-            <a:schemeClr val="accent1"/>
-          </a:fillRef>
-          <a:effectRef idx="0">
-            <a:schemeClr val="accent1"/>
-          </a:effectRef>
-          <a:fontRef idx="minor">
-            <a:schemeClr val="lt1"/>
-          </a:fontRef>
-        </p:style>
-        <p:txBody>
-          <a:bodyPr rtlCol="0" anchor="ctr"/>
-          <a:lstStyle/>
-          <a:p>
-            <a:pPr algn="ctr"/>
-            <a:endParaRPr lang="en-US"/>
-          </a:p>
-        </p:txBody>
-      </p:sp>
     </p:spTree>
     <p:extLst>
       <p:ext uri="{BB962C8B-B14F-4D97-AF65-F5344CB8AC3E}">

--- a/NanoServiceAPI Demo.pptx
+++ b/NanoServiceAPI Demo.pptx
@@ -129,7 +129,7 @@
 <file path=ppt/revisionInfo.xml><?xml version="1.0" encoding="utf-8"?>
 <p1510:revInfo xmlns:a="http://schemas.openxmlformats.org/drawingml/2006/main" xmlns:r="http://schemas.openxmlformats.org/officeDocument/2006/relationships" xmlns:p1510="http://schemas.microsoft.com/office/powerpoint/2015/10/main">
   <p1510:revLst>
-    <p1510:client id="{3C90B4ED-8ADD-4036-9A51-D12B577661C4}" v="109" dt="2018-07-12T21:30:58.586"/>
+    <p1510:client id="{3C90B4ED-8ADD-4036-9A51-D12B577661C4}" v="130" dt="2018-07-13T03:31:51.008"/>
   </p1510:revLst>
 </p1510:revInfo>
 </file>
@@ -139,7 +139,7 @@
   <pc:docChgLst>
     <pc:chgData name="Shin, Yong-Jun" userId="31b9ce4c-1193-47b5-8c9a-a873388960a0" providerId="ADAL" clId="{3C90B4ED-8ADD-4036-9A51-D12B577661C4}"/>
     <pc:docChg chg="custSel delSld modSld">
-      <pc:chgData name="Shin, Yong-Jun" userId="31b9ce4c-1193-47b5-8c9a-a873388960a0" providerId="ADAL" clId="{3C90B4ED-8ADD-4036-9A51-D12B577661C4}" dt="2018-07-12T21:30:58.586" v="108" actId="20577"/>
+      <pc:chgData name="Shin, Yong-Jun" userId="31b9ce4c-1193-47b5-8c9a-a873388960a0" providerId="ADAL" clId="{3C90B4ED-8ADD-4036-9A51-D12B577661C4}" dt="2018-07-13T03:31:51.008" v="129" actId="14100"/>
       <pc:docMkLst>
         <pc:docMk/>
       </pc:docMkLst>
@@ -219,6 +219,21 @@
             <ac:picMk id="4" creationId="{1B699B9C-EE03-44A4-8A6E-2F488F305A69}"/>
           </ac:picMkLst>
         </pc:picChg>
+      </pc:sldChg>
+      <pc:sldChg chg="modSp">
+        <pc:chgData name="Shin, Yong-Jun" userId="31b9ce4c-1193-47b5-8c9a-a873388960a0" providerId="ADAL" clId="{3C90B4ED-8ADD-4036-9A51-D12B577661C4}" dt="2018-07-13T03:31:51.008" v="129" actId="14100"/>
+        <pc:sldMkLst>
+          <pc:docMk/>
+          <pc:sldMk cId="499019303" sldId="266"/>
+        </pc:sldMkLst>
+        <pc:spChg chg="mod">
+          <ac:chgData name="Shin, Yong-Jun" userId="31b9ce4c-1193-47b5-8c9a-a873388960a0" providerId="ADAL" clId="{3C90B4ED-8ADD-4036-9A51-D12B577661C4}" dt="2018-07-13T03:31:51.008" v="129" actId="14100"/>
+          <ac:spMkLst>
+            <pc:docMk/>
+            <pc:sldMk cId="499019303" sldId="266"/>
+            <ac:spMk id="9" creationId="{6963E91B-41F0-43F7-A765-18C8AA1A67B0}"/>
+          </ac:spMkLst>
+        </pc:spChg>
       </pc:sldChg>
       <pc:sldChg chg="modSp">
         <pc:chgData name="Shin, Yong-Jun" userId="31b9ce4c-1193-47b5-8c9a-a873388960a0" providerId="ADAL" clId="{3C90B4ED-8ADD-4036-9A51-D12B577661C4}" dt="2018-07-12T21:30:58.586" v="108" actId="20577"/>
@@ -4128,7 +4143,7 @@
         <p:spPr>
           <a:xfrm>
             <a:off x="320888" y="4399019"/>
-            <a:ext cx="11215141" cy="2677656"/>
+            <a:ext cx="11791283" cy="2677656"/>
           </a:xfrm>
           <a:prstGeom prst="rect">
             <a:avLst/>
@@ -4142,15 +4157,7 @@
           <a:p>
             <a:r>
               <a:rPr lang="en-US" sz="2800" dirty="0"/>
-              <a:t>The </a:t>
-            </a:r>
-            <a:r>
-              <a:rPr lang="en-US" sz="2800" dirty="0" err="1"/>
-              <a:t>HyponatremiaDDx</a:t>
-            </a:r>
-            <a:r>
-              <a:rPr lang="en-US" sz="2800" dirty="0"/>
-              <a:t> function 1) decides whether it is hyponatremia or not, 2) adds a new variable “hyponatremia” to the patient actor in case the variable is not yet added, and 3) sets the value to true (hyponatremia) or false (not hyponatremia).</a:t>
+              <a:t>The Hyponatremia Diagnosis Function 1) decides whether there is hyponatremia or not, 2) adds a new variable “hyponatremia” to the patient actor in case the variable is not yet added, and 3) sets the value to true (hyponatremia) or false (not hyponatremia).</a:t>
             </a:r>
           </a:p>
           <a:p>
